--- a/course_material/slides/012_algo_interface_errors.pptx
+++ b/course_material/slides/012_algo_interface_errors.pptx
@@ -5,12 +5,18 @@
     <p:sldMasterId id="2147483660" r:id="rId1"/>
   </p:sldMasterIdLst>
   <p:sldIdLst>
-    <p:sldId id="256" r:id="rId2"/>
-    <p:sldId id="257" r:id="rId3"/>
-    <p:sldId id="258" r:id="rId4"/>
-    <p:sldId id="259" r:id="rId5"/>
-    <p:sldId id="261" r:id="rId6"/>
-    <p:sldId id="260" r:id="rId7"/>
+    <p:sldId id="267" r:id="rId2"/>
+    <p:sldId id="256" r:id="rId3"/>
+    <p:sldId id="257" r:id="rId4"/>
+    <p:sldId id="258" r:id="rId5"/>
+    <p:sldId id="259" r:id="rId6"/>
+    <p:sldId id="261" r:id="rId7"/>
+    <p:sldId id="260" r:id="rId8"/>
+    <p:sldId id="264" r:id="rId9"/>
+    <p:sldId id="262" r:id="rId10"/>
+    <p:sldId id="265" r:id="rId11"/>
+    <p:sldId id="266" r:id="rId12"/>
+    <p:sldId id="263" r:id="rId13"/>
   </p:sldIdLst>
   <p:sldSz cx="12192000" cy="6858000"/>
   <p:notesSz cx="6858000" cy="9144000"/>
@@ -3630,6 +3636,560 @@
           <p:cNvPr id="2" name="Title 1">
             <a:extLst>
               <a:ext uri="{FF2B5EF4-FFF2-40B4-BE49-F238E27FC236}">
+                <a16:creationId xmlns:a16="http://schemas.microsoft.com/office/drawing/2014/main" id="{BA6EB7B8-F2BB-8C73-AFC1-85AE422DB91F}"/>
+              </a:ext>
+            </a:extLst>
+          </p:cNvPr>
+          <p:cNvSpPr>
+            <a:spLocks noGrp="1"/>
+          </p:cNvSpPr>
+          <p:nvPr>
+            <p:ph type="title"/>
+          </p:nvPr>
+        </p:nvSpPr>
+        <p:spPr/>
+        <p:txBody>
+          <a:bodyPr/>
+          <a:lstStyle/>
+          <a:p>
+            <a:r>
+              <a:rPr lang="en-US" dirty="0"/>
+              <a:t>Housekeeping</a:t>
+            </a:r>
+          </a:p>
+        </p:txBody>
+      </p:sp>
+      <p:sp>
+        <p:nvSpPr>
+          <p:cNvPr id="3" name="Content Placeholder 2">
+            <a:extLst>
+              <a:ext uri="{FF2B5EF4-FFF2-40B4-BE49-F238E27FC236}">
+                <a16:creationId xmlns:a16="http://schemas.microsoft.com/office/drawing/2014/main" id="{D29DD318-0FAC-2069-3D41-F9D9C23E6C91}"/>
+              </a:ext>
+            </a:extLst>
+          </p:cNvPr>
+          <p:cNvSpPr>
+            <a:spLocks noGrp="1"/>
+          </p:cNvSpPr>
+          <p:nvPr>
+            <p:ph idx="1"/>
+          </p:nvPr>
+        </p:nvSpPr>
+        <p:spPr>
+          <a:xfrm>
+            <a:off x="1451579" y="2015732"/>
+            <a:ext cx="9603275" cy="4037749"/>
+          </a:xfrm>
+        </p:spPr>
+        <p:txBody>
+          <a:bodyPr/>
+          <a:lstStyle/>
+          <a:p>
+            <a:r>
+              <a:rPr lang="en-US" dirty="0"/>
+              <a:t>Look at sample solution from the last exercise from last time. </a:t>
+            </a:r>
+          </a:p>
+          <a:p>
+            <a:r>
+              <a:rPr lang="en-US" dirty="0"/>
+              <a:t>Algorithms and designing interfaces (superset of chapter 4 stuff). </a:t>
+            </a:r>
+          </a:p>
+          <a:p>
+            <a:pPr lvl="1"/>
+            <a:r>
+              <a:rPr lang="en-US" dirty="0"/>
+              <a:t>Inputs and outputs. </a:t>
+            </a:r>
+          </a:p>
+          <a:p>
+            <a:pPr lvl="1"/>
+            <a:r>
+              <a:rPr lang="en-US" dirty="0"/>
+              <a:t>Encapsulation. </a:t>
+            </a:r>
+          </a:p>
+          <a:p>
+            <a:pPr lvl="1"/>
+            <a:r>
+              <a:rPr lang="en-US" dirty="0"/>
+              <a:t>Testing. </a:t>
+            </a:r>
+          </a:p>
+        </p:txBody>
+      </p:sp>
+    </p:spTree>
+    <p:extLst>
+      <p:ext uri="{BB962C8B-B14F-4D97-AF65-F5344CB8AC3E}">
+        <p14:creationId xmlns:p14="http://schemas.microsoft.com/office/powerpoint/2010/main" val="2046407691"/>
+      </p:ext>
+    </p:extLst>
+  </p:cSld>
+  <p:clrMapOvr>
+    <a:masterClrMapping/>
+  </p:clrMapOvr>
+</p:sld>
+</file>
+
+<file path=ppt/slides/slide10.xml><?xml version="1.0" encoding="utf-8"?>
+<p:sld xmlns:a="http://schemas.openxmlformats.org/drawingml/2006/main" xmlns:r="http://schemas.openxmlformats.org/officeDocument/2006/relationships" xmlns:p="http://schemas.openxmlformats.org/presentationml/2006/main">
+  <p:cSld>
+    <p:spTree>
+      <p:nvGrpSpPr>
+        <p:cNvPr id="1" name=""/>
+        <p:cNvGrpSpPr/>
+        <p:nvPr/>
+      </p:nvGrpSpPr>
+      <p:grpSpPr>
+        <a:xfrm>
+          <a:off x="0" y="0"/>
+          <a:ext cx="0" cy="0"/>
+          <a:chOff x="0" y="0"/>
+          <a:chExt cx="0" cy="0"/>
+        </a:xfrm>
+      </p:grpSpPr>
+      <p:sp>
+        <p:nvSpPr>
+          <p:cNvPr id="2" name="Title 1">
+            <a:extLst>
+              <a:ext uri="{FF2B5EF4-FFF2-40B4-BE49-F238E27FC236}">
+                <a16:creationId xmlns:a16="http://schemas.microsoft.com/office/drawing/2014/main" id="{C886D8F3-79AC-EA77-82E8-702DC86976C1}"/>
+              </a:ext>
+            </a:extLst>
+          </p:cNvPr>
+          <p:cNvSpPr>
+            <a:spLocks noGrp="1"/>
+          </p:cNvSpPr>
+          <p:nvPr>
+            <p:ph type="title"/>
+          </p:nvPr>
+        </p:nvSpPr>
+        <p:spPr/>
+        <p:txBody>
+          <a:bodyPr/>
+          <a:lstStyle/>
+          <a:p>
+            <a:endParaRPr lang="en-US"/>
+          </a:p>
+        </p:txBody>
+      </p:sp>
+      <p:sp>
+        <p:nvSpPr>
+          <p:cNvPr id="3" name="Content Placeholder 2">
+            <a:extLst>
+              <a:ext uri="{FF2B5EF4-FFF2-40B4-BE49-F238E27FC236}">
+                <a16:creationId xmlns:a16="http://schemas.microsoft.com/office/drawing/2014/main" id="{D2223ED6-A099-4BDA-27C7-07B9FCCD2719}"/>
+              </a:ext>
+            </a:extLst>
+          </p:cNvPr>
+          <p:cNvSpPr>
+            <a:spLocks noGrp="1"/>
+          </p:cNvSpPr>
+          <p:nvPr>
+            <p:ph idx="1"/>
+          </p:nvPr>
+        </p:nvSpPr>
+        <p:spPr/>
+        <p:txBody>
+          <a:bodyPr/>
+          <a:lstStyle/>
+          <a:p>
+            <a:endParaRPr lang="en-US"/>
+          </a:p>
+        </p:txBody>
+      </p:sp>
+      <p:pic>
+        <p:nvPicPr>
+          <p:cNvPr id="2052" name="Picture 4" descr="Python Exceptions (Try...Except) - Learn By Example">
+            <a:extLst>
+              <a:ext uri="{FF2B5EF4-FFF2-40B4-BE49-F238E27FC236}">
+                <a16:creationId xmlns:a16="http://schemas.microsoft.com/office/drawing/2014/main" id="{E5B0DD41-1213-B0A8-5A90-8BB6A377BF4B}"/>
+              </a:ext>
+            </a:extLst>
+          </p:cNvPr>
+          <p:cNvPicPr>
+            <a:picLocks noChangeAspect="1" noChangeArrowheads="1"/>
+          </p:cNvPicPr>
+          <p:nvPr/>
+        </p:nvPicPr>
+        <p:blipFill>
+          <a:blip r:embed="rId2">
+            <a:extLst>
+              <a:ext uri="{28A0092B-C50C-407E-A947-70E740481C1C}">
+                <a14:useLocalDpi xmlns:a14="http://schemas.microsoft.com/office/drawing/2010/main" val="0"/>
+              </a:ext>
+            </a:extLst>
+          </a:blip>
+          <a:srcRect/>
+          <a:stretch>
+            <a:fillRect/>
+          </a:stretch>
+        </p:blipFill>
+        <p:spPr bwMode="auto">
+          <a:xfrm>
+            <a:off x="580768" y="-23097"/>
+            <a:ext cx="10972800" cy="6868101"/>
+          </a:xfrm>
+          <a:prstGeom prst="rect">
+            <a:avLst/>
+          </a:prstGeom>
+          <a:noFill/>
+          <a:extLst>
+            <a:ext uri="{909E8E84-426E-40DD-AFC4-6F175D3DCCD1}">
+              <a14:hiddenFill xmlns:a14="http://schemas.microsoft.com/office/drawing/2010/main">
+                <a:solidFill>
+                  <a:srgbClr val="FFFFFF"/>
+                </a:solidFill>
+              </a14:hiddenFill>
+            </a:ext>
+          </a:extLst>
+        </p:spPr>
+      </p:pic>
+    </p:spTree>
+    <p:extLst>
+      <p:ext uri="{BB962C8B-B14F-4D97-AF65-F5344CB8AC3E}">
+        <p14:creationId xmlns:p14="http://schemas.microsoft.com/office/powerpoint/2010/main" val="39559469"/>
+      </p:ext>
+    </p:extLst>
+  </p:cSld>
+  <p:clrMapOvr>
+    <a:masterClrMapping/>
+  </p:clrMapOvr>
+</p:sld>
+</file>
+
+<file path=ppt/slides/slide11.xml><?xml version="1.0" encoding="utf-8"?>
+<p:sld xmlns:a="http://schemas.openxmlformats.org/drawingml/2006/main" xmlns:r="http://schemas.openxmlformats.org/officeDocument/2006/relationships" xmlns:p="http://schemas.openxmlformats.org/presentationml/2006/main">
+  <p:cSld>
+    <p:spTree>
+      <p:nvGrpSpPr>
+        <p:cNvPr id="1" name=""/>
+        <p:cNvGrpSpPr/>
+        <p:nvPr/>
+      </p:nvGrpSpPr>
+      <p:grpSpPr>
+        <a:xfrm>
+          <a:off x="0" y="0"/>
+          <a:ext cx="0" cy="0"/>
+          <a:chOff x="0" y="0"/>
+          <a:chExt cx="0" cy="0"/>
+        </a:xfrm>
+      </p:grpSpPr>
+      <p:sp>
+        <p:nvSpPr>
+          <p:cNvPr id="2" name="Title 1">
+            <a:extLst>
+              <a:ext uri="{FF2B5EF4-FFF2-40B4-BE49-F238E27FC236}">
+                <a16:creationId xmlns:a16="http://schemas.microsoft.com/office/drawing/2014/main" id="{049A6508-42F7-C0E6-E796-F4E1F321279A}"/>
+              </a:ext>
+            </a:extLst>
+          </p:cNvPr>
+          <p:cNvSpPr>
+            <a:spLocks noGrp="1"/>
+          </p:cNvSpPr>
+          <p:nvPr>
+            <p:ph type="title"/>
+          </p:nvPr>
+        </p:nvSpPr>
+        <p:spPr/>
+        <p:txBody>
+          <a:bodyPr/>
+          <a:lstStyle/>
+          <a:p>
+            <a:r>
+              <a:rPr lang="en-US" dirty="0"/>
+              <a:t>Error management</a:t>
+            </a:r>
+          </a:p>
+        </p:txBody>
+      </p:sp>
+      <p:sp>
+        <p:nvSpPr>
+          <p:cNvPr id="3" name="Content Placeholder 2">
+            <a:extLst>
+              <a:ext uri="{FF2B5EF4-FFF2-40B4-BE49-F238E27FC236}">
+                <a16:creationId xmlns:a16="http://schemas.microsoft.com/office/drawing/2014/main" id="{9F1F91D3-E3BC-0E87-D32D-CE2BC87D05E9}"/>
+              </a:ext>
+            </a:extLst>
+          </p:cNvPr>
+          <p:cNvSpPr>
+            <a:spLocks noGrp="1"/>
+          </p:cNvSpPr>
+          <p:nvPr>
+            <p:ph idx="1"/>
+          </p:nvPr>
+        </p:nvSpPr>
+        <p:spPr>
+          <a:xfrm>
+            <a:off x="1451579" y="1853754"/>
+            <a:ext cx="9603275" cy="4199727"/>
+          </a:xfrm>
+        </p:spPr>
+        <p:txBody>
+          <a:bodyPr>
+            <a:normAutofit lnSpcReduction="10000"/>
+          </a:bodyPr>
+          <a:lstStyle/>
+          <a:p>
+            <a:r>
+              <a:rPr lang="en-US" dirty="0"/>
+              <a:t>There are many types of errors (file access, index out-of-range, </a:t>
+            </a:r>
+            <a:r>
+              <a:rPr lang="en-US" dirty="0" err="1"/>
+              <a:t>etc</a:t>
+            </a:r>
+            <a:r>
+              <a:rPr lang="en-US" dirty="0"/>
+              <a:t>…) and we can set separate except blocks to deal with each differently. </a:t>
+            </a:r>
+          </a:p>
+          <a:p>
+            <a:r>
+              <a:rPr lang="en-US" dirty="0"/>
+              <a:t>Once the error is caught, it wont automatically kill your program, it is now your problem. </a:t>
+            </a:r>
+          </a:p>
+          <a:p>
+            <a:pPr lvl="1"/>
+            <a:r>
+              <a:rPr lang="en-US" dirty="0"/>
+              <a:t>If the error is recoverable we can skip, change, repeat or whatever to recover. </a:t>
+            </a:r>
+          </a:p>
+          <a:p>
+            <a:pPr lvl="1"/>
+            <a:r>
+              <a:rPr lang="en-US" dirty="0"/>
+              <a:t>If the error is fatal, we can do anything (logging, saving, </a:t>
+            </a:r>
+            <a:r>
+              <a:rPr lang="en-US" dirty="0" err="1"/>
+              <a:t>etc</a:t>
+            </a:r>
+            <a:r>
+              <a:rPr lang="en-US" dirty="0"/>
+              <a:t>…) prior to killing it. </a:t>
+            </a:r>
+          </a:p>
+          <a:p>
+            <a:pPr lvl="1"/>
+            <a:r>
+              <a:rPr lang="en-US" dirty="0"/>
+              <a:t>We can do pretty much anything we can do in code, so we have flexibility. </a:t>
+            </a:r>
+          </a:p>
+          <a:p>
+            <a:r>
+              <a:rPr lang="en-US" dirty="0"/>
+              <a:t>Some very common error-generators can be helped with catching errors:</a:t>
+            </a:r>
+          </a:p>
+          <a:p>
+            <a:pPr lvl="1"/>
+            <a:r>
+              <a:rPr lang="en-US" dirty="0"/>
+              <a:t>File access, data cleaning, input checking for any user input. </a:t>
+            </a:r>
+          </a:p>
+          <a:p>
+            <a:r>
+              <a:rPr lang="en-US" dirty="0"/>
+              <a:t>Common use for the loop keywords - break, pass, continue. </a:t>
+            </a:r>
+          </a:p>
+          <a:p>
+            <a:pPr lvl="1"/>
+            <a:r>
+              <a:rPr lang="en-US" dirty="0"/>
+              <a:t>We often need to deal with an incorrect value in a loop, then redirect using these. </a:t>
+            </a:r>
+          </a:p>
+        </p:txBody>
+      </p:sp>
+    </p:spTree>
+    <p:extLst>
+      <p:ext uri="{BB962C8B-B14F-4D97-AF65-F5344CB8AC3E}">
+        <p14:creationId xmlns:p14="http://schemas.microsoft.com/office/powerpoint/2010/main" val="3965791741"/>
+      </p:ext>
+    </p:extLst>
+  </p:cSld>
+  <p:clrMapOvr>
+    <a:masterClrMapping/>
+  </p:clrMapOvr>
+</p:sld>
+</file>
+
+<file path=ppt/slides/slide12.xml><?xml version="1.0" encoding="utf-8"?>
+<p:sld xmlns:a="http://schemas.openxmlformats.org/drawingml/2006/main" xmlns:r="http://schemas.openxmlformats.org/officeDocument/2006/relationships" xmlns:p="http://schemas.openxmlformats.org/presentationml/2006/main">
+  <p:cSld>
+    <p:spTree>
+      <p:nvGrpSpPr>
+        <p:cNvPr id="1" name=""/>
+        <p:cNvGrpSpPr/>
+        <p:nvPr/>
+      </p:nvGrpSpPr>
+      <p:grpSpPr>
+        <a:xfrm>
+          <a:off x="0" y="0"/>
+          <a:ext cx="0" cy="0"/>
+          <a:chOff x="0" y="0"/>
+          <a:chExt cx="0" cy="0"/>
+        </a:xfrm>
+      </p:grpSpPr>
+      <p:sp>
+        <p:nvSpPr>
+          <p:cNvPr id="2" name="Title 1">
+            <a:extLst>
+              <a:ext uri="{FF2B5EF4-FFF2-40B4-BE49-F238E27FC236}">
+                <a16:creationId xmlns:a16="http://schemas.microsoft.com/office/drawing/2014/main" id="{B653E61D-D1F8-DF9A-AC80-01532A20D48D}"/>
+              </a:ext>
+            </a:extLst>
+          </p:cNvPr>
+          <p:cNvSpPr>
+            <a:spLocks noGrp="1"/>
+          </p:cNvSpPr>
+          <p:nvPr>
+            <p:ph type="title"/>
+          </p:nvPr>
+        </p:nvSpPr>
+        <p:spPr/>
+        <p:txBody>
+          <a:bodyPr/>
+          <a:lstStyle/>
+          <a:p>
+            <a:r>
+              <a:rPr lang="en-US" dirty="0"/>
+              <a:t>Break it down, Build it up</a:t>
+            </a:r>
+          </a:p>
+        </p:txBody>
+      </p:sp>
+      <p:sp>
+        <p:nvSpPr>
+          <p:cNvPr id="3" name="Content Placeholder 2">
+            <a:extLst>
+              <a:ext uri="{FF2B5EF4-FFF2-40B4-BE49-F238E27FC236}">
+                <a16:creationId xmlns:a16="http://schemas.microsoft.com/office/drawing/2014/main" id="{22F221AA-6EB6-8957-D548-2406FD7200A5}"/>
+              </a:ext>
+            </a:extLst>
+          </p:cNvPr>
+          <p:cNvSpPr>
+            <a:spLocks noGrp="1"/>
+          </p:cNvSpPr>
+          <p:nvPr>
+            <p:ph idx="1"/>
+          </p:nvPr>
+        </p:nvSpPr>
+        <p:spPr>
+          <a:xfrm>
+            <a:off x="1451579" y="1853754"/>
+            <a:ext cx="9603275" cy="4199727"/>
+          </a:xfrm>
+        </p:spPr>
+        <p:txBody>
+          <a:bodyPr/>
+          <a:lstStyle/>
+          <a:p>
+            <a:r>
+              <a:rPr lang="en-US" dirty="0"/>
+              <a:t>So, as a generalized process, we can:</a:t>
+            </a:r>
+          </a:p>
+          <a:p>
+            <a:pPr lvl="1"/>
+            <a:r>
+              <a:rPr lang="en-US" dirty="0"/>
+              <a:t>Define the starting point (inputs) and goal (output). </a:t>
+            </a:r>
+          </a:p>
+          <a:p>
+            <a:r>
+              <a:rPr lang="en-US" dirty="0" err="1"/>
+              <a:t>Psuedocode</a:t>
+            </a:r>
+            <a:r>
+              <a:rPr lang="en-US" dirty="0"/>
+              <a:t> what needs to happen, step by step. </a:t>
+            </a:r>
+          </a:p>
+          <a:p>
+            <a:pPr lvl="1"/>
+            <a:r>
+              <a:rPr lang="en-US" dirty="0"/>
+              <a:t>Some steps might be really simple, like “get the length of a list”. </a:t>
+            </a:r>
+          </a:p>
+          <a:p>
+            <a:pPr lvl="1"/>
+            <a:r>
+              <a:rPr lang="en-US" dirty="0"/>
+              <a:t>Some steps might be more complex, like ”remove all people shorter than average”. </a:t>
+            </a:r>
+          </a:p>
+          <a:p>
+            <a:r>
+              <a:rPr lang="en-US" dirty="0"/>
+              <a:t>The complex parts are likely their own algorithm and can be split into a function. </a:t>
+            </a:r>
+          </a:p>
+          <a:p>
+            <a:r>
+              <a:rPr lang="en-US" dirty="0"/>
+              <a:t>Define how we’d test each algorithm for success and test it. </a:t>
+            </a:r>
+          </a:p>
+          <a:p>
+            <a:pPr lvl="1"/>
+            <a:r>
+              <a:rPr lang="en-US" dirty="0"/>
+              <a:t>“Hard” parts can have a simple placeholder in the interim. </a:t>
+            </a:r>
+          </a:p>
+          <a:p>
+            <a:r>
+              <a:rPr lang="en-US" dirty="0"/>
+              <a:t>Once all the parts are unit tested and working, we can make a program! </a:t>
+            </a:r>
+          </a:p>
+        </p:txBody>
+      </p:sp>
+    </p:spTree>
+    <p:extLst>
+      <p:ext uri="{BB962C8B-B14F-4D97-AF65-F5344CB8AC3E}">
+        <p14:creationId xmlns:p14="http://schemas.microsoft.com/office/powerpoint/2010/main" val="3484618418"/>
+      </p:ext>
+    </p:extLst>
+  </p:cSld>
+  <p:clrMapOvr>
+    <a:masterClrMapping/>
+  </p:clrMapOvr>
+</p:sld>
+</file>
+
+<file path=ppt/slides/slide2.xml><?xml version="1.0" encoding="utf-8"?>
+<p:sld xmlns:a="http://schemas.openxmlformats.org/drawingml/2006/main" xmlns:r="http://schemas.openxmlformats.org/officeDocument/2006/relationships" xmlns:p="http://schemas.openxmlformats.org/presentationml/2006/main">
+  <p:cSld>
+    <p:spTree>
+      <p:nvGrpSpPr>
+        <p:cNvPr id="1" name=""/>
+        <p:cNvGrpSpPr/>
+        <p:nvPr/>
+      </p:nvGrpSpPr>
+      <p:grpSpPr>
+        <a:xfrm>
+          <a:off x="0" y="0"/>
+          <a:ext cx="0" cy="0"/>
+          <a:chOff x="0" y="0"/>
+          <a:chExt cx="0" cy="0"/>
+        </a:xfrm>
+      </p:grpSpPr>
+      <p:sp>
+        <p:nvSpPr>
+          <p:cNvPr id="2" name="Title 1">
+            <a:extLst>
+              <a:ext uri="{FF2B5EF4-FFF2-40B4-BE49-F238E27FC236}">
                 <a16:creationId xmlns:a16="http://schemas.microsoft.com/office/drawing/2014/main" id="{B6D03FC0-17E2-7D16-FFAE-1F22599FCFC8}"/>
               </a:ext>
             </a:extLst>
@@ -3643,10 +4203,15 @@
         </p:nvSpPr>
         <p:spPr/>
         <p:txBody>
-          <a:bodyPr/>
-          <a:lstStyle/>
-          <a:p>
-            <a:endParaRPr lang="en-US"/>
+          <a:bodyPr>
+            <a:normAutofit fontScale="90000"/>
+          </a:bodyPr>
+          <a:lstStyle/>
+          <a:p>
+            <a:r>
+              <a:rPr lang="en-US" dirty="0"/>
+              <a:t>Algorithm Structure and Testing</a:t>
+            </a:r>
           </a:p>
         </p:txBody>
       </p:sp>
@@ -3688,7 +4253,7 @@
 </p:sld>
 </file>
 
-<file path=ppt/slides/slide2.xml><?xml version="1.0" encoding="utf-8"?>
+<file path=ppt/slides/slide3.xml><?xml version="1.0" encoding="utf-8"?>
 <p:sld xmlns:a="http://schemas.openxmlformats.org/drawingml/2006/main" xmlns:r="http://schemas.openxmlformats.org/officeDocument/2006/relationships" xmlns:p="http://schemas.openxmlformats.org/presentationml/2006/main">
   <p:cSld>
     <p:bg>
@@ -3894,143 +4459,6 @@
 </p:sld>
 </file>
 
-<file path=ppt/slides/slide3.xml><?xml version="1.0" encoding="utf-8"?>
-<p:sld xmlns:a="http://schemas.openxmlformats.org/drawingml/2006/main" xmlns:r="http://schemas.openxmlformats.org/officeDocument/2006/relationships" xmlns:p="http://schemas.openxmlformats.org/presentationml/2006/main">
-  <p:cSld>
-    <p:spTree>
-      <p:nvGrpSpPr>
-        <p:cNvPr id="1" name=""/>
-        <p:cNvGrpSpPr/>
-        <p:nvPr/>
-      </p:nvGrpSpPr>
-      <p:grpSpPr>
-        <a:xfrm>
-          <a:off x="0" y="0"/>
-          <a:ext cx="0" cy="0"/>
-          <a:chOff x="0" y="0"/>
-          <a:chExt cx="0" cy="0"/>
-        </a:xfrm>
-      </p:grpSpPr>
-      <p:sp>
-        <p:nvSpPr>
-          <p:cNvPr id="2" name="Title 1">
-            <a:extLst>
-              <a:ext uri="{FF2B5EF4-FFF2-40B4-BE49-F238E27FC236}">
-                <a16:creationId xmlns:a16="http://schemas.microsoft.com/office/drawing/2014/main" id="{057E8638-BD93-3B21-4B84-3C1F73A9438C}"/>
-              </a:ext>
-            </a:extLst>
-          </p:cNvPr>
-          <p:cNvSpPr>
-            <a:spLocks noGrp="1"/>
-          </p:cNvSpPr>
-          <p:nvPr>
-            <p:ph type="title"/>
-          </p:nvPr>
-        </p:nvSpPr>
-        <p:spPr/>
-        <p:txBody>
-          <a:bodyPr/>
-          <a:lstStyle/>
-          <a:p>
-            <a:r>
-              <a:rPr lang="en-US" dirty="0"/>
-              <a:t>Algorithms in Python</a:t>
-            </a:r>
-          </a:p>
-        </p:txBody>
-      </p:sp>
-      <p:sp>
-        <p:nvSpPr>
-          <p:cNvPr id="3" name="Content Placeholder 2">
-            <a:extLst>
-              <a:ext uri="{FF2B5EF4-FFF2-40B4-BE49-F238E27FC236}">
-                <a16:creationId xmlns:a16="http://schemas.microsoft.com/office/drawing/2014/main" id="{AB1AB013-DC81-A57F-1AFD-25BC104463AF}"/>
-              </a:ext>
-            </a:extLst>
-          </p:cNvPr>
-          <p:cNvSpPr>
-            <a:spLocks noGrp="1"/>
-          </p:cNvSpPr>
-          <p:nvPr>
-            <p:ph idx="1"/>
-          </p:nvPr>
-        </p:nvSpPr>
-        <p:spPr>
-          <a:xfrm>
-            <a:off x="1451579" y="2015732"/>
-            <a:ext cx="9603275" cy="4037749"/>
-          </a:xfrm>
-        </p:spPr>
-        <p:txBody>
-          <a:bodyPr/>
-          <a:lstStyle/>
-          <a:p>
-            <a:r>
-              <a:rPr lang="en-US" dirty="0"/>
-              <a:t>When we do things in code, we are making algorithms. </a:t>
-            </a:r>
-          </a:p>
-          <a:p>
-            <a:r>
-              <a:rPr lang="en-US" dirty="0"/>
-              <a:t>Organizing our code and thoughts can help us make this process easier. </a:t>
-            </a:r>
-          </a:p>
-          <a:p>
-            <a:r>
-              <a:rPr lang="en-US" dirty="0"/>
-              <a:t>Start with two key points:</a:t>
-            </a:r>
-          </a:p>
-          <a:p>
-            <a:pPr lvl="1"/>
-            <a:r>
-              <a:rPr lang="en-US" dirty="0"/>
-              <a:t>Inputs / Starting Point</a:t>
-            </a:r>
-          </a:p>
-          <a:p>
-            <a:pPr lvl="1"/>
-            <a:r>
-              <a:rPr lang="en-US" dirty="0"/>
-              <a:t>Outputs / Results</a:t>
-            </a:r>
-          </a:p>
-          <a:p>
-            <a:r>
-              <a:rPr lang="en-US" dirty="0"/>
-              <a:t>We can also wrap each algorithm into a function, mirroring this:</a:t>
-            </a:r>
-          </a:p>
-          <a:p>
-            <a:pPr lvl="1"/>
-            <a:r>
-              <a:rPr lang="en-US" dirty="0"/>
-              <a:t>Parameters</a:t>
-            </a:r>
-          </a:p>
-          <a:p>
-            <a:pPr lvl="1"/>
-            <a:r>
-              <a:rPr lang="en-US" dirty="0"/>
-              <a:t>Return values. </a:t>
-            </a:r>
-          </a:p>
-        </p:txBody>
-      </p:sp>
-    </p:spTree>
-    <p:extLst>
-      <p:ext uri="{BB962C8B-B14F-4D97-AF65-F5344CB8AC3E}">
-        <p14:creationId xmlns:p14="http://schemas.microsoft.com/office/powerpoint/2010/main" val="1733456325"/>
-      </p:ext>
-    </p:extLst>
-  </p:cSld>
-  <p:clrMapOvr>
-    <a:masterClrMapping/>
-  </p:clrMapOvr>
-</p:sld>
-</file>
-
 <file path=ppt/slides/slide4.xml><?xml version="1.0" encoding="utf-8"?>
 <p:sld xmlns:a="http://schemas.openxmlformats.org/drawingml/2006/main" xmlns:r="http://schemas.openxmlformats.org/officeDocument/2006/relationships" xmlns:p="http://schemas.openxmlformats.org/presentationml/2006/main">
   <p:cSld>
@@ -4053,7 +4481,7 @@
           <p:cNvPr id="2" name="Title 1">
             <a:extLst>
               <a:ext uri="{FF2B5EF4-FFF2-40B4-BE49-F238E27FC236}">
-                <a16:creationId xmlns:a16="http://schemas.microsoft.com/office/drawing/2014/main" id="{82770143-58D7-67A5-945B-728896CBF69C}"/>
+                <a16:creationId xmlns:a16="http://schemas.microsoft.com/office/drawing/2014/main" id="{057E8638-BD93-3B21-4B84-3C1F73A9438C}"/>
               </a:ext>
             </a:extLst>
           </p:cNvPr>
@@ -4071,7 +4499,7 @@
           <a:p>
             <a:r>
               <a:rPr lang="en-US" dirty="0"/>
-              <a:t>Constructing Algorithms</a:t>
+              <a:t>Algorithms in Python</a:t>
             </a:r>
           </a:p>
         </p:txBody>
@@ -4081,7 +4509,7 @@
           <p:cNvPr id="3" name="Content Placeholder 2">
             <a:extLst>
               <a:ext uri="{FF2B5EF4-FFF2-40B4-BE49-F238E27FC236}">
-                <a16:creationId xmlns:a16="http://schemas.microsoft.com/office/drawing/2014/main" id="{8E8B4F56-788C-0258-1EE9-F4A12085FC1B}"/>
+                <a16:creationId xmlns:a16="http://schemas.microsoft.com/office/drawing/2014/main" id="{AB1AB013-DC81-A57F-1AFD-25BC104463AF}"/>
               </a:ext>
             </a:extLst>
           </p:cNvPr>
@@ -4104,54 +4532,59 @@
           <a:p>
             <a:r>
               <a:rPr lang="en-US" dirty="0"/>
-              <a:t>We can use these ideas to structure our algorithms. </a:t>
-            </a:r>
-          </a:p>
-          <a:p>
-            <a:r>
-              <a:rPr lang="en-US" dirty="0"/>
-              <a:t>What do we need to do? -&gt; our function. </a:t>
+              <a:t>When we do things in code, we are making algorithms. </a:t>
+            </a:r>
+          </a:p>
+          <a:p>
+            <a:r>
+              <a:rPr lang="en-US" dirty="0"/>
+              <a:t>Organizing our code and thoughts can help us make this process easier. </a:t>
+            </a:r>
+          </a:p>
+          <a:p>
+            <a:r>
+              <a:rPr lang="en-US" dirty="0"/>
+              <a:t>Start with two key points:</a:t>
             </a:r>
           </a:p>
           <a:p>
             <a:pPr lvl="1"/>
             <a:r>
               <a:rPr lang="en-US" dirty="0"/>
-              <a:t>What data do we need to do that? -&gt; our parameters. </a:t>
+              <a:t>Inputs / Starting Point</a:t>
             </a:r>
           </a:p>
           <a:p>
             <a:pPr lvl="1"/>
             <a:r>
               <a:rPr lang="en-US" dirty="0"/>
-              <a:t>What is the result? -&gt; our return value. </a:t>
-            </a:r>
-          </a:p>
-          <a:p>
-            <a:r>
-              <a:rPr lang="en-US" dirty="0"/>
-              <a:t>These details are defined in the function’s signature. </a:t>
+              <a:t>Outputs / Results</a:t>
+            </a:r>
+          </a:p>
+          <a:p>
+            <a:r>
+              <a:rPr lang="en-US" dirty="0"/>
+              <a:t>We can also wrap each algorithm into a function, mirroring this:</a:t>
             </a:r>
           </a:p>
           <a:p>
             <a:pPr lvl="1"/>
             <a:r>
               <a:rPr lang="en-US" dirty="0"/>
-              <a:t>The signature is basically the first line of our function definition. </a:t>
+              <a:t>Parameters</a:t>
             </a:r>
           </a:p>
           <a:p>
             <a:pPr lvl="1"/>
             <a:r>
               <a:rPr lang="en-US" dirty="0"/>
-              <a:t>We can add some context whilst creating functions, to help. </a:t>
-            </a:r>
-          </a:p>
-          <a:p>
-            <a:pPr lvl="1"/>
-            <a:r>
-              <a:rPr lang="en-US" dirty="0"/>
-              <a:t>The signature() function in the inspect library can pull a signature for an object. </a:t>
+              <a:t>Return values. </a:t>
+            </a:r>
+          </a:p>
+          <a:p>
+            <a:r>
+              <a:rPr lang="en-US" dirty="0"/>
+              <a:t>Wrapping code in a function is called Encapsulation. </a:t>
             </a:r>
           </a:p>
         </p:txBody>
@@ -4159,7 +4592,7 @@
     </p:spTree>
     <p:extLst>
       <p:ext uri="{BB962C8B-B14F-4D97-AF65-F5344CB8AC3E}">
-        <p14:creationId xmlns:p14="http://schemas.microsoft.com/office/powerpoint/2010/main" val="2432428744"/>
+        <p14:creationId xmlns:p14="http://schemas.microsoft.com/office/powerpoint/2010/main" val="1733456325"/>
       </p:ext>
     </p:extLst>
   </p:cSld>
@@ -4191,7 +4624,7 @@
           <p:cNvPr id="2" name="Title 1">
             <a:extLst>
               <a:ext uri="{FF2B5EF4-FFF2-40B4-BE49-F238E27FC236}">
-                <a16:creationId xmlns:a16="http://schemas.microsoft.com/office/drawing/2014/main" id="{372174E5-54A2-AF4B-DA00-67C902A67B20}"/>
+                <a16:creationId xmlns:a16="http://schemas.microsoft.com/office/drawing/2014/main" id="{82770143-58D7-67A5-945B-728896CBF69C}"/>
               </a:ext>
             </a:extLst>
           </p:cNvPr>
@@ -4202,19 +4635,14 @@
             <p:ph type="title"/>
           </p:nvPr>
         </p:nvSpPr>
-        <p:spPr>
-          <a:xfrm>
-            <a:off x="123569" y="804519"/>
-            <a:ext cx="10931286" cy="1049235"/>
-          </a:xfrm>
-        </p:spPr>
-        <p:txBody>
-          <a:bodyPr/>
-          <a:lstStyle/>
-          <a:p>
-            <a:r>
-              <a:rPr lang="en-US" dirty="0"/>
-              <a:t>Type Hinting</a:t>
+        <p:spPr/>
+        <p:txBody>
+          <a:bodyPr/>
+          <a:lstStyle/>
+          <a:p>
+            <a:r>
+              <a:rPr lang="en-US" dirty="0"/>
+              <a:t>Constructing Algorithms</a:t>
             </a:r>
           </a:p>
         </p:txBody>
@@ -4224,7 +4652,7 @@
           <p:cNvPr id="3" name="Content Placeholder 2">
             <a:extLst>
               <a:ext uri="{FF2B5EF4-FFF2-40B4-BE49-F238E27FC236}">
-                <a16:creationId xmlns:a16="http://schemas.microsoft.com/office/drawing/2014/main" id="{D25A598B-5E0E-D5BD-C3F3-E32FCE0699B6}"/>
+                <a16:creationId xmlns:a16="http://schemas.microsoft.com/office/drawing/2014/main" id="{8E8B4F56-788C-0258-1EE9-F4A12085FC1B}"/>
               </a:ext>
             </a:extLst>
           </p:cNvPr>
@@ -4238,7 +4666,7 @@
         <p:spPr>
           <a:xfrm>
             <a:off x="1451579" y="2015732"/>
-            <a:ext cx="9603275" cy="4146529"/>
+            <a:ext cx="9603275" cy="4037749"/>
           </a:xfrm>
         </p:spPr>
         <p:txBody>
@@ -4247,91 +4675,62 @@
           <a:p>
             <a:r>
               <a:rPr lang="en-US" dirty="0"/>
-              <a:t>To make the signatures of our functions more clear we can add some hints. </a:t>
-            </a:r>
-          </a:p>
-          <a:p>
-            <a:r>
-              <a:rPr lang="en-US" dirty="0"/>
-              <a:t>Recall, Python is a weakly-typed language, we have few restrictions on data types. </a:t>
+              <a:t>We can use these ideas to structure our algorithms. </a:t>
+            </a:r>
+          </a:p>
+          <a:p>
+            <a:r>
+              <a:rPr lang="en-US" dirty="0"/>
+              <a:t>What do we need to do? -&gt; our function. </a:t>
             </a:r>
           </a:p>
           <a:p>
             <a:pPr lvl="1"/>
             <a:r>
               <a:rPr lang="en-US" dirty="0"/>
-              <a:t>Many other languages have strict rules, if we declare an int, that must be an int. </a:t>
+              <a:t>What data do we need to do that? -&gt; our parameters. </a:t>
             </a:r>
           </a:p>
           <a:p>
             <a:pPr lvl="1"/>
             <a:r>
               <a:rPr lang="en-US" dirty="0"/>
-              <a:t>This is unlikely to change, but this can serve as an informal check, if desired. </a:t>
-            </a:r>
-          </a:p>
-          <a:p>
-            <a:r>
-              <a:rPr lang="en-US" dirty="0"/>
-              <a:t>Hints can supplement our signatures with some info for the users. </a:t>
-            </a:r>
-          </a:p>
-          <a:p>
-            <a:r>
-              <a:rPr lang="en-US" dirty="0"/>
-              <a:t>We can hint both the parameter type and the return value. </a:t>
+              <a:t>What is the result? -&gt; our return value. </a:t>
+            </a:r>
+          </a:p>
+          <a:p>
+            <a:r>
+              <a:rPr lang="en-US" dirty="0"/>
+              <a:t>These details are defined in the function’s signature. </a:t>
             </a:r>
           </a:p>
           <a:p>
             <a:pPr lvl="1"/>
             <a:r>
               <a:rPr lang="en-US" dirty="0"/>
-              <a:t>Parameters have “:TYPE” behind the parameter name. </a:t>
+              <a:t>The signature is basically the first line of our function definition. </a:t>
             </a:r>
           </a:p>
           <a:p>
             <a:pPr lvl="1"/>
             <a:r>
               <a:rPr lang="en-US" dirty="0"/>
-              <a:t>The return type is indicated by an “arrow” -&gt; TYPE after the parameters. </a:t>
-            </a:r>
-          </a:p>
-        </p:txBody>
-      </p:sp>
-      <p:pic>
-        <p:nvPicPr>
-          <p:cNvPr id="4" name="Picture 3">
-            <a:extLst>
-              <a:ext uri="{FF2B5EF4-FFF2-40B4-BE49-F238E27FC236}">
-                <a16:creationId xmlns:a16="http://schemas.microsoft.com/office/drawing/2014/main" id="{784D91BB-6271-7A0F-5F5A-1CDBBECD1043}"/>
-              </a:ext>
-            </a:extLst>
-          </p:cNvPr>
-          <p:cNvPicPr>
-            <a:picLocks noChangeAspect="1"/>
-          </p:cNvPicPr>
-          <p:nvPr/>
-        </p:nvPicPr>
-        <p:blipFill>
-          <a:blip r:embed="rId2"/>
-          <a:stretch>
-            <a:fillRect/>
-          </a:stretch>
-        </p:blipFill>
-        <p:spPr>
-          <a:xfrm>
-            <a:off x="3091427" y="-1"/>
-            <a:ext cx="9100573" cy="1742303"/>
-          </a:xfrm>
-          <a:prstGeom prst="rect">
-            <a:avLst/>
-          </a:prstGeom>
-        </p:spPr>
-      </p:pic>
+              <a:t>We can add some context whilst creating functions, to help. </a:t>
+            </a:r>
+          </a:p>
+          <a:p>
+            <a:pPr lvl="1"/>
+            <a:r>
+              <a:rPr lang="en-US" dirty="0"/>
+              <a:t>The signature() function in the inspect library can pull a signature for an object. </a:t>
+            </a:r>
+          </a:p>
+        </p:txBody>
+      </p:sp>
     </p:spTree>
     <p:extLst>
       <p:ext uri="{BB962C8B-B14F-4D97-AF65-F5344CB8AC3E}">
-        <p14:creationId xmlns:p14="http://schemas.microsoft.com/office/powerpoint/2010/main" val="3175850324"/>
+        <p14:creationId xmlns:p14="http://schemas.microsoft.com/office/powerpoint/2010/main" val="2432428744"/>
       </p:ext>
     </p:extLst>
   </p:cSld>
@@ -4363,6 +4762,178 @@
           <p:cNvPr id="2" name="Title 1">
             <a:extLst>
               <a:ext uri="{FF2B5EF4-FFF2-40B4-BE49-F238E27FC236}">
+                <a16:creationId xmlns:a16="http://schemas.microsoft.com/office/drawing/2014/main" id="{372174E5-54A2-AF4B-DA00-67C902A67B20}"/>
+              </a:ext>
+            </a:extLst>
+          </p:cNvPr>
+          <p:cNvSpPr>
+            <a:spLocks noGrp="1"/>
+          </p:cNvSpPr>
+          <p:nvPr>
+            <p:ph type="title"/>
+          </p:nvPr>
+        </p:nvSpPr>
+        <p:spPr>
+          <a:xfrm>
+            <a:off x="123569" y="804519"/>
+            <a:ext cx="10931286" cy="1049235"/>
+          </a:xfrm>
+        </p:spPr>
+        <p:txBody>
+          <a:bodyPr/>
+          <a:lstStyle/>
+          <a:p>
+            <a:r>
+              <a:rPr lang="en-US" dirty="0"/>
+              <a:t>Type Hinting</a:t>
+            </a:r>
+          </a:p>
+        </p:txBody>
+      </p:sp>
+      <p:sp>
+        <p:nvSpPr>
+          <p:cNvPr id="3" name="Content Placeholder 2">
+            <a:extLst>
+              <a:ext uri="{FF2B5EF4-FFF2-40B4-BE49-F238E27FC236}">
+                <a16:creationId xmlns:a16="http://schemas.microsoft.com/office/drawing/2014/main" id="{D25A598B-5E0E-D5BD-C3F3-E32FCE0699B6}"/>
+              </a:ext>
+            </a:extLst>
+          </p:cNvPr>
+          <p:cNvSpPr>
+            <a:spLocks noGrp="1"/>
+          </p:cNvSpPr>
+          <p:nvPr>
+            <p:ph idx="1"/>
+          </p:nvPr>
+        </p:nvSpPr>
+        <p:spPr>
+          <a:xfrm>
+            <a:off x="1451579" y="2015732"/>
+            <a:ext cx="9603275" cy="4146529"/>
+          </a:xfrm>
+        </p:spPr>
+        <p:txBody>
+          <a:bodyPr/>
+          <a:lstStyle/>
+          <a:p>
+            <a:r>
+              <a:rPr lang="en-US" dirty="0"/>
+              <a:t>To make the signatures of our functions more clear we can add some hints. </a:t>
+            </a:r>
+          </a:p>
+          <a:p>
+            <a:r>
+              <a:rPr lang="en-US" dirty="0"/>
+              <a:t>Recall, Python is a weakly-typed language, we have few restrictions on data types. </a:t>
+            </a:r>
+          </a:p>
+          <a:p>
+            <a:pPr lvl="1"/>
+            <a:r>
+              <a:rPr lang="en-US" dirty="0"/>
+              <a:t>Many other languages have strict rules, if we declare an int, that must be an int. </a:t>
+            </a:r>
+          </a:p>
+          <a:p>
+            <a:pPr lvl="1"/>
+            <a:r>
+              <a:rPr lang="en-US" dirty="0"/>
+              <a:t>This is unlikely to change, but this can serve as an informal check, if desired. </a:t>
+            </a:r>
+          </a:p>
+          <a:p>
+            <a:r>
+              <a:rPr lang="en-US" dirty="0"/>
+              <a:t>Hints can supplement our signatures with some info for the users. </a:t>
+            </a:r>
+          </a:p>
+          <a:p>
+            <a:r>
+              <a:rPr lang="en-US" dirty="0"/>
+              <a:t>We can hint both the parameter type and the return value. </a:t>
+            </a:r>
+          </a:p>
+          <a:p>
+            <a:pPr lvl="1"/>
+            <a:r>
+              <a:rPr lang="en-US" dirty="0"/>
+              <a:t>Parameters have “:TYPE” behind the parameter name. </a:t>
+            </a:r>
+          </a:p>
+          <a:p>
+            <a:pPr lvl="1"/>
+            <a:r>
+              <a:rPr lang="en-US" dirty="0"/>
+              <a:t>The return type is indicated by an “arrow” -&gt; TYPE after the parameters. </a:t>
+            </a:r>
+          </a:p>
+        </p:txBody>
+      </p:sp>
+      <p:pic>
+        <p:nvPicPr>
+          <p:cNvPr id="4" name="Picture 3">
+            <a:extLst>
+              <a:ext uri="{FF2B5EF4-FFF2-40B4-BE49-F238E27FC236}">
+                <a16:creationId xmlns:a16="http://schemas.microsoft.com/office/drawing/2014/main" id="{784D91BB-6271-7A0F-5F5A-1CDBBECD1043}"/>
+              </a:ext>
+            </a:extLst>
+          </p:cNvPr>
+          <p:cNvPicPr>
+            <a:picLocks noChangeAspect="1"/>
+          </p:cNvPicPr>
+          <p:nvPr/>
+        </p:nvPicPr>
+        <p:blipFill>
+          <a:blip r:embed="rId2"/>
+          <a:stretch>
+            <a:fillRect/>
+          </a:stretch>
+        </p:blipFill>
+        <p:spPr>
+          <a:xfrm>
+            <a:off x="3091427" y="-1"/>
+            <a:ext cx="9100573" cy="1742303"/>
+          </a:xfrm>
+          <a:prstGeom prst="rect">
+            <a:avLst/>
+          </a:prstGeom>
+        </p:spPr>
+      </p:pic>
+    </p:spTree>
+    <p:extLst>
+      <p:ext uri="{BB962C8B-B14F-4D97-AF65-F5344CB8AC3E}">
+        <p14:creationId xmlns:p14="http://schemas.microsoft.com/office/powerpoint/2010/main" val="3175850324"/>
+      </p:ext>
+    </p:extLst>
+  </p:cSld>
+  <p:clrMapOvr>
+    <a:masterClrMapping/>
+  </p:clrMapOvr>
+</p:sld>
+</file>
+
+<file path=ppt/slides/slide7.xml><?xml version="1.0" encoding="utf-8"?>
+<p:sld xmlns:a="http://schemas.openxmlformats.org/drawingml/2006/main" xmlns:r="http://schemas.openxmlformats.org/officeDocument/2006/relationships" xmlns:p="http://schemas.openxmlformats.org/presentationml/2006/main">
+  <p:cSld>
+    <p:spTree>
+      <p:nvGrpSpPr>
+        <p:cNvPr id="1" name=""/>
+        <p:cNvGrpSpPr/>
+        <p:nvPr/>
+      </p:nvGrpSpPr>
+      <p:grpSpPr>
+        <a:xfrm>
+          <a:off x="0" y="0"/>
+          <a:ext cx="0" cy="0"/>
+          <a:chOff x="0" y="0"/>
+          <a:chExt cx="0" cy="0"/>
+        </a:xfrm>
+      </p:grpSpPr>
+      <p:sp>
+        <p:nvSpPr>
+          <p:cNvPr id="2" name="Title 1">
+            <a:extLst>
+              <a:ext uri="{FF2B5EF4-FFF2-40B4-BE49-F238E27FC236}">
                 <a16:creationId xmlns:a16="http://schemas.microsoft.com/office/drawing/2014/main" id="{CB1ACADC-1A22-63AD-D935-3BD193E0C07B}"/>
               </a:ext>
             </a:extLst>
@@ -4404,13 +4975,13 @@
         </p:nvSpPr>
         <p:spPr>
           <a:xfrm>
-            <a:off x="1451579" y="1853754"/>
-            <a:ext cx="9603275" cy="4199727"/>
+            <a:off x="815009" y="1853754"/>
+            <a:ext cx="10654748" cy="4199727"/>
           </a:xfrm>
         </p:spPr>
         <p:txBody>
           <a:bodyPr>
-            <a:normAutofit/>
+            <a:normAutofit fontScale="92500"/>
           </a:bodyPr>
           <a:lstStyle/>
           <a:p>
@@ -4468,15 +5039,17 @@
             </a:r>
           </a:p>
           <a:p>
-            <a:r>
-              <a:rPr lang="en-US" dirty="0"/>
-              <a:t>Each individual algorithm can be tested, deployed, or replaced</a:t>
-            </a:r>
-            <a:r>
-              <a:rPr lang="en-US"/>
-              <a:t>, individually. </a:t>
-            </a:r>
-            <a:endParaRPr lang="en-US" dirty="0"/>
+            <a:pPr lvl="1"/>
+            <a:r>
+              <a:rPr lang="en-US" dirty="0"/>
+              <a:t>We can also “stub” it, or make a placeholder that returns a plausible value, so we can build the rest. </a:t>
+            </a:r>
+          </a:p>
+          <a:p>
+            <a:r>
+              <a:rPr lang="en-US" dirty="0"/>
+              <a:t>Each individual algorithm can be tested, deployed, or replaced, individually. </a:t>
+            </a:r>
           </a:p>
         </p:txBody>
       </p:sp>
@@ -4484,6 +5057,296 @@
     <p:extLst>
       <p:ext uri="{BB962C8B-B14F-4D97-AF65-F5344CB8AC3E}">
         <p14:creationId xmlns:p14="http://schemas.microsoft.com/office/powerpoint/2010/main" val="2426886923"/>
+      </p:ext>
+    </p:extLst>
+  </p:cSld>
+  <p:clrMapOvr>
+    <a:masterClrMapping/>
+  </p:clrMapOvr>
+</p:sld>
+</file>
+
+<file path=ppt/slides/slide8.xml><?xml version="1.0" encoding="utf-8"?>
+<p:sld xmlns:a="http://schemas.openxmlformats.org/drawingml/2006/main" xmlns:r="http://schemas.openxmlformats.org/officeDocument/2006/relationships" xmlns:p="http://schemas.openxmlformats.org/presentationml/2006/main">
+  <p:cSld>
+    <p:spTree>
+      <p:nvGrpSpPr>
+        <p:cNvPr id="1" name=""/>
+        <p:cNvGrpSpPr/>
+        <p:nvPr/>
+      </p:nvGrpSpPr>
+      <p:grpSpPr>
+        <a:xfrm>
+          <a:off x="0" y="0"/>
+          <a:ext cx="0" cy="0"/>
+          <a:chOff x="0" y="0"/>
+          <a:chExt cx="0" cy="0"/>
+        </a:xfrm>
+      </p:grpSpPr>
+      <p:sp>
+        <p:nvSpPr>
+          <p:cNvPr id="2" name="Title 1">
+            <a:extLst>
+              <a:ext uri="{FF2B5EF4-FFF2-40B4-BE49-F238E27FC236}">
+                <a16:creationId xmlns:a16="http://schemas.microsoft.com/office/drawing/2014/main" id="{3AFC92F8-55D5-44BF-D2DA-93FAA85D5D66}"/>
+              </a:ext>
+            </a:extLst>
+          </p:cNvPr>
+          <p:cNvSpPr>
+            <a:spLocks noGrp="1"/>
+          </p:cNvSpPr>
+          <p:nvPr>
+            <p:ph type="title"/>
+          </p:nvPr>
+        </p:nvSpPr>
+        <p:spPr/>
+        <p:txBody>
+          <a:bodyPr/>
+          <a:lstStyle/>
+          <a:p>
+            <a:r>
+              <a:rPr lang="en-US" dirty="0"/>
+              <a:t>Testing</a:t>
+            </a:r>
+          </a:p>
+        </p:txBody>
+      </p:sp>
+      <p:sp>
+        <p:nvSpPr>
+          <p:cNvPr id="3" name="Content Placeholder 2">
+            <a:extLst>
+              <a:ext uri="{FF2B5EF4-FFF2-40B4-BE49-F238E27FC236}">
+                <a16:creationId xmlns:a16="http://schemas.microsoft.com/office/drawing/2014/main" id="{766080C4-06C4-6E94-6DF7-E678CB70FBAB}"/>
+              </a:ext>
+            </a:extLst>
+          </p:cNvPr>
+          <p:cNvSpPr>
+            <a:spLocks noGrp="1"/>
+          </p:cNvSpPr>
+          <p:nvPr>
+            <p:ph idx="1"/>
+          </p:nvPr>
+        </p:nvSpPr>
+        <p:spPr>
+          <a:xfrm>
+            <a:off x="1451579" y="1853754"/>
+            <a:ext cx="9603275" cy="4199727"/>
+          </a:xfrm>
+        </p:spPr>
+        <p:txBody>
+          <a:bodyPr>
+            <a:normAutofit lnSpcReduction="10000"/>
+          </a:bodyPr>
+          <a:lstStyle/>
+          <a:p>
+            <a:r>
+              <a:rPr lang="en-US" dirty="0"/>
+              <a:t>When using algorithms that are broken into functions we can more easily test. </a:t>
+            </a:r>
+          </a:p>
+          <a:p>
+            <a:pPr lvl="1"/>
+            <a:r>
+              <a:rPr lang="en-US" dirty="0"/>
+              <a:t>This is called Unit Testing – testing each component on its own. </a:t>
+            </a:r>
+          </a:p>
+          <a:p>
+            <a:r>
+              <a:rPr lang="en-US" dirty="0"/>
+              <a:t>There are defined inputs and outputs, so success is “doing that”. </a:t>
+            </a:r>
+          </a:p>
+          <a:p>
+            <a:r>
+              <a:rPr lang="en-US" dirty="0"/>
+              <a:t>We can define a “test-harness”, or code to call some function to evaluate it. </a:t>
+            </a:r>
+          </a:p>
+          <a:p>
+            <a:pPr lvl="1"/>
+            <a:r>
+              <a:rPr lang="en-US" dirty="0"/>
+              <a:t>Call a function several times with a set of inputs, hopefully covering all scenarios. </a:t>
+            </a:r>
+          </a:p>
+          <a:p>
+            <a:pPr lvl="1"/>
+            <a:r>
+              <a:rPr lang="en-US" dirty="0"/>
+              <a:t>Compare the results returned to the known correct outputs. </a:t>
+            </a:r>
+          </a:p>
+          <a:p>
+            <a:r>
+              <a:rPr lang="en-US" dirty="0"/>
+              <a:t>In “real life” this is often done with the help of test tools/libraries, but we can make simple ones to learn. </a:t>
+            </a:r>
+          </a:p>
+          <a:p>
+            <a:pPr lvl="1"/>
+            <a:r>
+              <a:rPr lang="en-US" dirty="0"/>
+              <a:t>Run some tests, capture the results, check to see if they are all correct. </a:t>
+            </a:r>
+          </a:p>
+          <a:p>
+            <a:r>
+              <a:rPr lang="en-US" dirty="0"/>
+              <a:t>If we’ve defined our tests correctly, passing means the new code is good. </a:t>
+            </a:r>
+          </a:p>
+        </p:txBody>
+      </p:sp>
+    </p:spTree>
+    <p:extLst>
+      <p:ext uri="{BB962C8B-B14F-4D97-AF65-F5344CB8AC3E}">
+        <p14:creationId xmlns:p14="http://schemas.microsoft.com/office/powerpoint/2010/main" val="2842153107"/>
+      </p:ext>
+    </p:extLst>
+  </p:cSld>
+  <p:clrMapOvr>
+    <a:masterClrMapping/>
+  </p:clrMapOvr>
+</p:sld>
+</file>
+
+<file path=ppt/slides/slide9.xml><?xml version="1.0" encoding="utf-8"?>
+<p:sld xmlns:a="http://schemas.openxmlformats.org/drawingml/2006/main" xmlns:r="http://schemas.openxmlformats.org/officeDocument/2006/relationships" xmlns:p="http://schemas.openxmlformats.org/presentationml/2006/main">
+  <p:cSld>
+    <p:spTree>
+      <p:nvGrpSpPr>
+        <p:cNvPr id="1" name=""/>
+        <p:cNvGrpSpPr/>
+        <p:nvPr/>
+      </p:nvGrpSpPr>
+      <p:grpSpPr>
+        <a:xfrm>
+          <a:off x="0" y="0"/>
+          <a:ext cx="0" cy="0"/>
+          <a:chOff x="0" y="0"/>
+          <a:chExt cx="0" cy="0"/>
+        </a:xfrm>
+      </p:grpSpPr>
+      <p:sp>
+        <p:nvSpPr>
+          <p:cNvPr id="2" name="Title 1">
+            <a:extLst>
+              <a:ext uri="{FF2B5EF4-FFF2-40B4-BE49-F238E27FC236}">
+                <a16:creationId xmlns:a16="http://schemas.microsoft.com/office/drawing/2014/main" id="{24EDF4DB-1073-C59F-BC7A-E3B7B08172E4}"/>
+              </a:ext>
+            </a:extLst>
+          </p:cNvPr>
+          <p:cNvSpPr>
+            <a:spLocks noGrp="1"/>
+          </p:cNvSpPr>
+          <p:nvPr>
+            <p:ph type="title"/>
+          </p:nvPr>
+        </p:nvSpPr>
+        <p:spPr/>
+        <p:txBody>
+          <a:bodyPr/>
+          <a:lstStyle/>
+          <a:p>
+            <a:r>
+              <a:rPr lang="en-US" dirty="0"/>
+              <a:t>Error Catching</a:t>
+            </a:r>
+          </a:p>
+        </p:txBody>
+      </p:sp>
+      <p:sp>
+        <p:nvSpPr>
+          <p:cNvPr id="3" name="Content Placeholder 2">
+            <a:extLst>
+              <a:ext uri="{FF2B5EF4-FFF2-40B4-BE49-F238E27FC236}">
+                <a16:creationId xmlns:a16="http://schemas.microsoft.com/office/drawing/2014/main" id="{C7EE0179-013A-F438-0DD2-0B48DA411E42}"/>
+              </a:ext>
+            </a:extLst>
+          </p:cNvPr>
+          <p:cNvSpPr>
+            <a:spLocks noGrp="1"/>
+          </p:cNvSpPr>
+          <p:nvPr>
+            <p:ph idx="1"/>
+          </p:nvPr>
+        </p:nvSpPr>
+        <p:spPr>
+          <a:xfrm>
+            <a:off x="1451579" y="1853754"/>
+            <a:ext cx="9603275" cy="4199727"/>
+          </a:xfrm>
+        </p:spPr>
+        <p:txBody>
+          <a:bodyPr/>
+          <a:lstStyle/>
+          <a:p>
+            <a:r>
+              <a:rPr lang="en-US" dirty="0"/>
+              <a:t>When creating code that does more complex things, it becomes likely we see errors. </a:t>
+            </a:r>
+          </a:p>
+          <a:p>
+            <a:r>
+              <a:rPr lang="en-US" dirty="0"/>
+              <a:t>Programs like Chrome or Tableau don’t just totally die if something goes wrong. </a:t>
+            </a:r>
+          </a:p>
+          <a:p>
+            <a:r>
+              <a:rPr lang="en-US" dirty="0"/>
+              <a:t>We can structure code to capture errors and do things to mitigate their impact. </a:t>
+            </a:r>
+          </a:p>
+          <a:p>
+            <a:pPr lvl="1"/>
+            <a:r>
+              <a:rPr lang="en-US" dirty="0"/>
+              <a:t>E.g. if we are loading a file and the supplied file name is wrong, we can ask for a new one instead of the program crashing. </a:t>
+            </a:r>
+          </a:p>
+          <a:p>
+            <a:pPr lvl="1"/>
+            <a:r>
+              <a:rPr lang="en-US" dirty="0"/>
+              <a:t>Depending on what the error is, we can take appropriate action. </a:t>
+            </a:r>
+          </a:p>
+          <a:p>
+            <a:pPr lvl="1"/>
+            <a:r>
+              <a:rPr lang="en-US" dirty="0"/>
+              <a:t>If it was a “bad” error, we can have some code to “tidy up” before crashing. </a:t>
+            </a:r>
+          </a:p>
+          <a:p>
+            <a:r>
+              <a:rPr lang="en-US" dirty="0"/>
+              <a:t>The keywords of TRY, EXCEPT, ELSE, and FINALLY can build an “if statement-</a:t>
+            </a:r>
+            <a:r>
+              <a:rPr lang="en-US" dirty="0" err="1"/>
+              <a:t>ish</a:t>
+            </a:r>
+            <a:r>
+              <a:rPr lang="en-US" dirty="0"/>
+              <a:t>” framework to deal with errors. </a:t>
+            </a:r>
+          </a:p>
+          <a:p>
+            <a:pPr lvl="1"/>
+            <a:r>
+              <a:rPr lang="en-US" dirty="0"/>
+              <a:t>Conceptually, this is very simple…</a:t>
+            </a:r>
+          </a:p>
+        </p:txBody>
+      </p:sp>
+    </p:spTree>
+    <p:extLst>
+      <p:ext uri="{BB962C8B-B14F-4D97-AF65-F5344CB8AC3E}">
+        <p14:creationId xmlns:p14="http://schemas.microsoft.com/office/powerpoint/2010/main" val="175856511"/>
       </p:ext>
     </p:extLst>
   </p:cSld>

--- a/course_material/slides/012_algo_interface_errors.pptx
+++ b/course_material/slides/012_algo_interface_errors.pptx
@@ -3717,6 +3717,37 @@
               <a:t>Testing. </a:t>
             </a:r>
           </a:p>
+          <a:p>
+            <a:r>
+              <a:rPr lang="en-US" dirty="0"/>
+              <a:t>Practice, practice, practice…</a:t>
+            </a:r>
+          </a:p>
+          <a:p>
+            <a:pPr lvl="1"/>
+            <a:r>
+              <a:rPr lang="en-US" dirty="0"/>
+              <a:t>Ideally, doing some of these larger scale exercises helps build our skills. </a:t>
+            </a:r>
+          </a:p>
+          <a:p>
+            <a:pPr lvl="1"/>
+            <a:r>
+              <a:rPr lang="en-US" dirty="0"/>
+              <a:t>Identify the goal, break down problems into steps, work on building steps one by one. </a:t>
+            </a:r>
+          </a:p>
+          <a:p>
+            <a:pPr lvl="1"/>
+            <a:r>
+              <a:rPr lang="en-US" dirty="0"/>
+              <a:t>Tools today help to formalize this as </a:t>
+            </a:r>
+            <a:r>
+              <a:rPr lang="en-US"/>
+              <a:t>a concept. </a:t>
+            </a:r>
+          </a:p>
         </p:txBody>
       </p:sp>
     </p:spTree>
@@ -4665,8 +4696,8 @@
         </p:nvSpPr>
         <p:spPr>
           <a:xfrm>
-            <a:off x="1451579" y="2015732"/>
-            <a:ext cx="9603275" cy="4037749"/>
+            <a:off x="1451579" y="1853754"/>
+            <a:ext cx="9603275" cy="4199727"/>
           </a:xfrm>
         </p:spPr>
         <p:txBody>
@@ -4676,6 +4707,13 @@
             <a:r>
               <a:rPr lang="en-US" dirty="0"/>
               <a:t>We can use these ideas to structure our algorithms. </a:t>
+            </a:r>
+          </a:p>
+          <a:p>
+            <a:pPr lvl="1"/>
+            <a:r>
+              <a:rPr lang="en-US" dirty="0"/>
+              <a:t>Build a function to perform each of the key algorithms in our code. </a:t>
             </a:r>
           </a:p>
           <a:p>

--- a/course_material/slides/012_algo_interface_errors.pptx
+++ b/course_material/slides/012_algo_interface_errors.pptx
@@ -9,14 +9,16 @@
     <p:sldId id="256" r:id="rId3"/>
     <p:sldId id="257" r:id="rId4"/>
     <p:sldId id="258" r:id="rId5"/>
-    <p:sldId id="259" r:id="rId6"/>
-    <p:sldId id="261" r:id="rId7"/>
-    <p:sldId id="260" r:id="rId8"/>
-    <p:sldId id="264" r:id="rId9"/>
-    <p:sldId id="262" r:id="rId10"/>
-    <p:sldId id="265" r:id="rId11"/>
-    <p:sldId id="266" r:id="rId12"/>
-    <p:sldId id="263" r:id="rId13"/>
+    <p:sldId id="268" r:id="rId6"/>
+    <p:sldId id="259" r:id="rId7"/>
+    <p:sldId id="261" r:id="rId8"/>
+    <p:sldId id="260" r:id="rId9"/>
+    <p:sldId id="264" r:id="rId10"/>
+    <p:sldId id="262" r:id="rId11"/>
+    <p:sldId id="265" r:id="rId12"/>
+    <p:sldId id="266" r:id="rId13"/>
+    <p:sldId id="263" r:id="rId14"/>
+    <p:sldId id="269" r:id="rId15"/>
   </p:sldIdLst>
   <p:sldSz cx="12192000" cy="6858000"/>
   <p:notesSz cx="6858000" cy="9144000"/>
@@ -116,6 +118,200 @@
     </a:lvl9pPr>
   </p:defaultTextStyle>
 </p:presentation>
+</file>
+
+<file path=ppt/ink/ink1.xml><?xml version="1.0" encoding="utf-8"?>
+<inkml:ink xmlns:inkml="http://www.w3.org/2003/InkML">
+  <inkml:definitions>
+    <inkml:context xml:id="ctx0">
+      <inkml:inkSource xml:id="inkSrc0">
+        <inkml:traceFormat>
+          <inkml:channel name="X" type="integer" min="-2.14748E9" max="2.14748E9" units="cm"/>
+          <inkml:channel name="Y" type="integer" min="-2.14748E9" max="2.14748E9" units="cm"/>
+          <inkml:channel name="F" type="integer" max="32767" units="dev"/>
+        </inkml:traceFormat>
+        <inkml:channelProperties>
+          <inkml:channelProperty channel="X" name="resolution" value="1000" units="1/cm"/>
+          <inkml:channelProperty channel="Y" name="resolution" value="1000" units="1/cm"/>
+          <inkml:channelProperty channel="F" name="resolution" value="0" units="1/dev"/>
+        </inkml:channelProperties>
+      </inkml:inkSource>
+      <inkml:timestamp xml:id="ts0" timeString="2023-09-28T20:20:54.828"/>
+    </inkml:context>
+    <inkml:brush xml:id="br0">
+      <inkml:brushProperty name="width" value="0.05" units="cm"/>
+      <inkml:brushProperty name="height" value="0.05" units="cm"/>
+      <inkml:brushProperty name="color" value="#004F8B"/>
+    </inkml:brush>
+  </inkml:definitions>
+  <inkml:trace contextRef="#ctx0" brushRef="#br0">1 1635 24575,'11'0'0,"1"0"0,-1 0 0,0 0 0,6 5 0,-5-4 0,35 14 0,-28-12 0,22 7 0,11 5 0,-31-12 0,44 15 0,2-1 0,-35-12-3392,56 12 0,1 1 3392,-57-9-940,49 4 1,0 0 939,-48-6-574,27 2 0,-2-3 574,-31-4 0,60 8 0,-67-9 0,66-1 0,-64-1-677,55-9 677,-60 8 0,40-8 0,-41 9 4950,21-9-4950,-25 9 2375,10-4-2375,-10 5 1863,10 0-1863,-10-5 0,20 3 0,-17 2 0,36 6 0,-33 6 1300,29-6-1300,-34-1 0,9-5 0,-11 0 0,0 0 0,1 0 0,-1-5 0,0-1 0,21-16 0,-16 13 0,31-41 0,-32 36 0,16-63 0,-23 52-6784,2-63 6784,-10 62-2269,0-30 1,0 0 2268,0 29-1517,-1-41 0,-3-1 1517,-2 42-1015,2-40 1,1 2 1014,-2 39 0,5-37 0,0-1 0,0 38 0,0-42 0,0-1 0,0 41 0,3-36 0,0 1 0,-2 39 0,4-32 0,0 0 0,-4 32 0,4-29 0,0-1 0,-4 32 2029,9-50-2029,-3 62 3034,19 0-3034,4 22 0,1 1 0,0 7 0,-18-18 4537,48 33-4537,12-19 0,-4 17 0,-9-21 0,-8-3 0,-28-2 0,68 8 0,-73-13 0,22 3 0,-29-5 0,-1 0 0,0 0 6784,1 5-6784,-1-4 0,5 4 0,-8 0 0,7-4 0,12 9 0,-11-9 0,15 4 0,-24 0 0,-2-9 0,0-2 0,1-1 0,5-19 0,-4 18 0,-2-14 0,0 16 0,-4-9 0,9 7 0,-9-28 0,4 19 0,-5-44 0,0 42 0,0-23 0,0 31 0,-5 5 0,-1 1 0,-5 5 0,0-5 0,-1 3 0,1-3 0,0 5 0,0 0 0,0 0 0,-6 0 0,5 0 0,-9-5 0,8 4 0,-3-4 0,5 5 0,-5-5 0,-7-6 0,4 3 0,-7-12 0,14 17 0,-19-17 0,16 13 0,-11-10 0,24 11 0,4 1 0,9 5 0,0 0 0,1 0 0,14 0 0,-11 0 0,22 0 0,-23 0 0,12 5 0,-13-4 0,23 14 0,-20-12 0,16 12 0,-6 1 0,-11-7 0,7 11 0,-7-14 0,-13 5 0,13 0 0,-8 1 0,-1-1 0,-1 0 0,0 20 0,1-15 0,1 35 0,-2-34 0,0 34 0,-4-35 0,4 35 0,-5-35 0,0 20 0,0-23 0,0 3 0,-5-10 0,4 4 0,-19 16 0,11-9-6784,-37 49 6784,34-46 0,-23 21 0,4 14 0,-17 22 0,5-6 0,12-2 0,5-7 0,16-36 0,-19 65 0,26-75 0,-12 20 0,14-28 0,-4 2 0</inkml:trace>
+</inkml:ink>
+</file>
+
+<file path=ppt/ink/ink2.xml><?xml version="1.0" encoding="utf-8"?>
+<inkml:ink xmlns:inkml="http://www.w3.org/2003/InkML">
+  <inkml:definitions>
+    <inkml:context xml:id="ctx0">
+      <inkml:inkSource xml:id="inkSrc0">
+        <inkml:traceFormat>
+          <inkml:channel name="X" type="integer" min="-2.14748E9" max="2.14748E9" units="cm"/>
+          <inkml:channel name="Y" type="integer" min="-2.14748E9" max="2.14748E9" units="cm"/>
+          <inkml:channel name="F" type="integer" max="32767" units="dev"/>
+        </inkml:traceFormat>
+        <inkml:channelProperties>
+          <inkml:channelProperty channel="X" name="resolution" value="1000" units="1/cm"/>
+          <inkml:channelProperty channel="Y" name="resolution" value="1000" units="1/cm"/>
+          <inkml:channelProperty channel="F" name="resolution" value="0" units="1/dev"/>
+        </inkml:channelProperties>
+      </inkml:inkSource>
+      <inkml:timestamp xml:id="ts0" timeString="2023-09-28T20:20:58.628"/>
+    </inkml:context>
+    <inkml:brush xml:id="br0">
+      <inkml:brushProperty name="width" value="0.05" units="cm"/>
+      <inkml:brushProperty name="height" value="0.05" units="cm"/>
+      <inkml:brushProperty name="color" value="#004F8B"/>
+    </inkml:brush>
+  </inkml:definitions>
+  <inkml:trace contextRef="#ctx0" brushRef="#br0">3639 6995 24575,'5'-6'0,"-4"-4"0,9 8 0,-3-8 0,-1 4-9831,29-25 8341,-27 14-665,57-44 2155,-51 47-440,34-35 1,1-3 439,-29 26-1015,37-44 1,-3-4 1014,-42 35 0,17-17 0,11-15 0,-11 13 0,-17 11 0,12-21 0,8-19 0,-10 20 0,-14 24 0,4-29 0,5-21 0,-6 21 0,-9 32 0,-1-29 0,-1-19 0,-1 21 0,-1 31 0,-9-26 0,-5-20 0,3 19 0,6 27 0,-11-27 0,-7-19 0,8 20 0,9 26 0,-7-28 0,-6-21 0,5 20 0,6 27 0,-2-29 0,0-20 0,0 20 0,-1 25 0,4-26 0,2-19 0,-1 19 0,-4 25 0,2-24 0,1-20 0,-1 20 0,-4 25 0,-1-27 0,-1-20 0,3 20 0,2 24 0,-7-25 0,-5-20 0,4 21 0,6 31 0,-7-28 0,-4-21 0,4 21 0,3 29 0,-2-24 0,-5-20 0,4 19 0,1 23 0,-6-27 0,-7-20 0,6 18 0,4 17 0,-7-20 0,-6-20 0,6 21 0,8 23 0,-5-21 0,-7-19 0,9 19 0,10 25 0,-7-20 0,-5-17 0,5 19 0,9 28 0,-18-53 0,-1 0 0,18 56 0,-21-54 0,-1 1 0,20 51 0,-29-54 0,-3 0 0,24 54 0,-22-47 0,-1 1 0,26 51 0,-20-45 0,-1 1 0,21 44 0,-25-44 0,0 0 0,22 43 0,-37-43 0,-1 0 0,34 43 0,-46-35 0,-5-1 0,31 31 0,-11-5 0,-16-7 0,11 8 0,-8 0 0,3 2 0,-12-5 0,13 7 0,-2 7 0,-23-6 0,4 2 0,42 19 310,-40-4-310,74 15 1879,-4-5-1879,4 4 0,1-4 0,0 5 0,0 0 0,0 0 0,-1 0 0,-4-5 0,4 3 0,-5-3 0,6 5 0,-15 0 0,11 0 3113,-16 0-3113,-61-5 4655,56 4-4655,-58-3 0,0 3 5482,58 6-5482,-52 1 0,4 4 945,61 4-945,-42 4 0,1 0 0,44-8 0,-33 13 0,0-1 0,32-16 0,-60 44 0,62-39 0,-42 30 0,50-27 0,-39 22 0,38-26 0,-39 35 0,40-34 0,-34 40 0,40-35 0,-30 50 0,32-46 0,-22 41 0,22-41 0,-7 8 0,10-12 0,0-10 0,0-1 0</inkml:trace>
+</inkml:ink>
+</file>
+
+<file path=ppt/ink/ink3.xml><?xml version="1.0" encoding="utf-8"?>
+<inkml:ink xmlns:inkml="http://www.w3.org/2003/InkML">
+  <inkml:definitions>
+    <inkml:context xml:id="ctx0">
+      <inkml:inkSource xml:id="inkSrc0">
+        <inkml:traceFormat>
+          <inkml:channel name="X" type="integer" min="-2.14748E9" max="2.14748E9" units="cm"/>
+          <inkml:channel name="Y" type="integer" min="-2.14748E9" max="2.14748E9" units="cm"/>
+          <inkml:channel name="F" type="integer" max="32767" units="dev"/>
+        </inkml:traceFormat>
+        <inkml:channelProperties>
+          <inkml:channelProperty channel="X" name="resolution" value="1000" units="1/cm"/>
+          <inkml:channelProperty channel="Y" name="resolution" value="1000" units="1/cm"/>
+          <inkml:channelProperty channel="F" name="resolution" value="0" units="1/dev"/>
+        </inkml:channelProperties>
+      </inkml:inkSource>
+      <inkml:timestamp xml:id="ts0" timeString="2023-09-28T20:21:00.618"/>
+    </inkml:context>
+    <inkml:brush xml:id="br0">
+      <inkml:brushProperty name="width" value="0.05" units="cm"/>
+      <inkml:brushProperty name="height" value="0.05" units="cm"/>
+      <inkml:brushProperty name="color" value="#004F8B"/>
+    </inkml:brush>
+  </inkml:definitions>
+  <inkml:trace contextRef="#ctx0" brushRef="#br0">11 748 24575,'-5'-31'0,"4"14"0,-4-24 0,5 27 0,0-7 0,5 4 0,2 5 0,24-10 0,-20 10 0,50-5 0,-47 11 0,72-14 0,-63 16 0,25-13 0,1-1 0,-23 13-6784,52-40 6784,-60 33-4537,42-44 4537,-52 38-2701,52-49 2701,-52 49-822,47-49 822,-44 54 2650,31-32-2650,-28 41 4104,7-21-4104,-10 22 5181,-4-12-5181,-2 9 2565,0 0-2565,-4-4 344,9 3-344,-4-4 0,11 0 0,-5 5 0,15-10 0,-13 14 0,7-8 0,-20 10 0,-2 0 0,-10 0 0,5 0 0,1 0 0</inkml:trace>
+</inkml:ink>
+</file>
+
+<file path=ppt/ink/ink4.xml><?xml version="1.0" encoding="utf-8"?>
+<inkml:ink xmlns:inkml="http://www.w3.org/2003/InkML">
+  <inkml:definitions>
+    <inkml:context xml:id="ctx0">
+      <inkml:inkSource xml:id="inkSrc0">
+        <inkml:traceFormat>
+          <inkml:channel name="X" type="integer" min="-2.14748E9" max="2.14748E9" units="cm"/>
+          <inkml:channel name="Y" type="integer" min="-2.14748E9" max="2.14748E9" units="cm"/>
+          <inkml:channel name="F" type="integer" max="32767" units="dev"/>
+        </inkml:traceFormat>
+        <inkml:channelProperties>
+          <inkml:channelProperty channel="X" name="resolution" value="1000" units="1/cm"/>
+          <inkml:channelProperty channel="Y" name="resolution" value="1000" units="1/cm"/>
+          <inkml:channelProperty channel="F" name="resolution" value="0" units="1/dev"/>
+        </inkml:channelProperties>
+      </inkml:inkSource>
+      <inkml:timestamp xml:id="ts0" timeString="2023-09-28T20:21:01.467"/>
+    </inkml:context>
+    <inkml:brush xml:id="br0">
+      <inkml:brushProperty name="width" value="0.05" units="cm"/>
+      <inkml:brushProperty name="height" value="0.05" units="cm"/>
+      <inkml:brushProperty name="color" value="#004F8B"/>
+    </inkml:brush>
+  </inkml:definitions>
+  <inkml:trace contextRef="#ctx0" brushRef="#br0">0 1 24575,'12'5'0,"-1"-4"0,0 4 0,1-5 0,9 5 0,-12 1 0,11 1 0,-14-2 0,6-5 0,34 24 0,-21-12-6784,58 39 6784,-58-35-2269,26 19 1,0 1 2268,-26-15-1517,35 27 0,-3 0 1517,-38-25-1015,33 22 1,-3 1 1014,-38-27 0,33 25 0,3-2 0,-31-25 216,31 30 1,3 0-217,-27-29 0,21 22 0,-2 1 0,-23-24 1886,43 34-1886,-51-36 794,24 7 1,-32-17-1,7-5 1</inkml:trace>
+</inkml:ink>
+</file>
+
+<file path=ppt/ink/ink5.xml><?xml version="1.0" encoding="utf-8"?>
+<inkml:ink xmlns:inkml="http://www.w3.org/2003/InkML">
+  <inkml:definitions>
+    <inkml:context xml:id="ctx0">
+      <inkml:inkSource xml:id="inkSrc0">
+        <inkml:traceFormat>
+          <inkml:channel name="X" type="integer" min="-2.14748E9" max="2.14748E9" units="cm"/>
+          <inkml:channel name="Y" type="integer" min="-2.14748E9" max="2.14748E9" units="cm"/>
+          <inkml:channel name="F" type="integer" max="32767" units="dev"/>
+        </inkml:traceFormat>
+        <inkml:channelProperties>
+          <inkml:channelProperty channel="X" name="resolution" value="1000" units="1/cm"/>
+          <inkml:channelProperty channel="Y" name="resolution" value="1000" units="1/cm"/>
+          <inkml:channelProperty channel="F" name="resolution" value="0" units="1/dev"/>
+        </inkml:channelProperties>
+      </inkml:inkSource>
+      <inkml:timestamp xml:id="ts0" timeString="2023-09-28T20:21:04.238"/>
+    </inkml:context>
+    <inkml:brush xml:id="br0">
+      <inkml:brushProperty name="width" value="0.05" units="cm"/>
+      <inkml:brushProperty name="height" value="0.05" units="cm"/>
+      <inkml:brushProperty name="color" value="#004F8B"/>
+    </inkml:brush>
+  </inkml:definitions>
+  <inkml:trace contextRef="#ctx0" brushRef="#br0">0 0 24575,'0'11'0,"5"-4"0,-4 3 0,9-4 0,-3 0 0,4 4 0,0-4 0,36 25-6915,-27-14 6915,27 9 1471,-11-1-1471,17-10-2490,-6 4 0,2-1 2490,10-4-224,27 6 224,-58-19 3559,41 4-3559,6 5 0,-23-8-2218,16 15 0,-4 1 2218,-29-6 325,58 19-325,-70-25 0,-5 4 0,3-9-783,-9 9 783,10-9 0,-10 9 0,10-3 0,-10-1 0,9 4 0,-3-9 0,0 9 0,3-9 0,16 14 0,-14-12 0,55 30 0,-19-16 0,4 2 0,2 5 0,0 0 0,-2-7 0,3 0 0,25 9 0,-12-5 0,-36-13 0,24 10 0,22 8 0,-6-3-1408,-4-6 1,-4 0 1407,4 7 0,4 0 0,-5-7 0,4-1 0,-21-2 2815,-20 0-2815,26 4 0,20 2 0,-18-4 0,-25-3 0,36 7 0,24 5 0,-22-5 3432,-30-7-3432,14-1 0,25 3 0,1 0 0,-24-4 0,-6-1 0,7 0 0,25 2 0,0 0 0,-25-4 546,-9-2-546,8 2 0,30 5 0,10 2 0,-6-1 0,-25-2 1841,-25-4 0,2 1-1841,17 3 0,26 4 0,15 4 0,6 0 0,-4 0 0,-13-3 0,-25-3-1279,-5-1 0,0 0 1279,1 1 0,23 4 0,14 2 0,8 3 0,0-2 0,-8-1 0,-14-3 0,-23-5 0,0-3 0,-2-1 0,7 4 0,23 4 0,14 4 0,4 0 0,-6-1 0,-15-3 0,-26-6 0,-17-3 0,-2-2 0,23 4 0,23 3 0,6 1 0,-11-2 0,-30-5 378,-13-5-378,16-1 0,16-2 0,-21-1 952,-33 1-952,25-7 0,-5-2 2307,-35 3-2307,27-13 3244,-37 8-3244,12-3 0,-14 4 0,4-4 0,-5 4 0,0-5 0,-30-49 0,23 40 0,-23-28 0,0 1 0,22 32 0,-46-61 0,47 63 0,-21-21 0,-3-1 0,17 19 0,-20-19 0,-3 0 0,13 17 0,-18-12 0,-3 0 0,2 12-3392,-9-11 0,0 3 3392,14 19-2269,-25-18 1,1 2 2268,33 21-1517,-53-16 0,-2-2 1517,52 16-1015,-56-8 1,0 0 1014,57 9 0,-59-5 0,-1 3 0,57 8 0,-52-7 0,2 0 0,55 7 762,-32-2 0,1 0-762,39 5 2784,-30 0-2784,50 0 4163,2 0-4163,10 0 0,1 0 0,49 10 0,-37-7 0,37 6 0,5 2 0,-16-4 0,42 3 0,4 1 0,-32 2-1136,9-2 0,15 2 0,-20-1 1136,-24-1-1012,24 6 1,21 3 0,-22-5 1011,-30-8-1015,51 16 1,-2 1 1014,-60-14 0,24 8 0,-3 1 0,-30-11 2029,30 17-2029,-38-17 0,11 3 3034,-14-6-3034,6 5 4537,-1-8-4537,10 23 6784,-7-16-6784,18 17 0,-24-13 0,12-2 0,-13-6 0,-1 0 0,-1 1 0,10 20 0,-6-16 0,38 45 0,-35-41-6784,59 52 6784,-56-54-685,25 25 1,1 1 684,-20-22 0,30 40 0,-43-43 0,7-2 0,-9-6 0,0 0 0,4-4 0,2 9 0,0-9 6106,10 9-6106,-10-8 2047,0 8-2047,-7 6 0,-5-3 0,0 9 0,0 4 0,0-11 0,-5 46 0,3-41 0,-17 61 0,10-61 0,-27 51 0,26-54 0,-50 49 0,45-52-3392,-34 21 0,-3 0 3392,27-22-2269,-39 22 1,2 2 2268,41-19-1517,-39 15 0,0 0 1517,42-15-1015,-39 20 1,-2 0 1014,34-22 0,-40 38 0,-1 2 0,39-35 0,-29 32 0,6 0 0,36-33 1852,-21 26-1852,30-40 0,4 4 2946,-9-9-2946,9 9 0,-4-9 0,5 4 0</inkml:trace>
+</inkml:ink>
+</file>
+
+<file path=ppt/ink/ink6.xml><?xml version="1.0" encoding="utf-8"?>
+<inkml:ink xmlns:inkml="http://www.w3.org/2003/InkML">
+  <inkml:definitions>
+    <inkml:context xml:id="ctx0">
+      <inkml:inkSource xml:id="inkSrc0">
+        <inkml:traceFormat>
+          <inkml:channel name="X" type="integer" min="-2.14748E9" max="2.14748E9" units="cm"/>
+          <inkml:channel name="Y" type="integer" min="-2.14748E9" max="2.14748E9" units="cm"/>
+          <inkml:channel name="F" type="integer" max="32767" units="dev"/>
+        </inkml:traceFormat>
+        <inkml:channelProperties>
+          <inkml:channelProperty channel="X" name="resolution" value="1000" units="1/cm"/>
+          <inkml:channelProperty channel="Y" name="resolution" value="1000" units="1/cm"/>
+          <inkml:channelProperty channel="F" name="resolution" value="0" units="1/dev"/>
+        </inkml:channelProperties>
+      </inkml:inkSource>
+      <inkml:timestamp xml:id="ts0" timeString="2023-09-28T20:34:56.075"/>
+    </inkml:context>
+    <inkml:brush xml:id="br0">
+      <inkml:brushProperty name="width" value="0.025" units="cm"/>
+      <inkml:brushProperty name="height" value="0.025" units="cm"/>
+    </inkml:brush>
+  </inkml:definitions>
+  <inkml:trace contextRef="#ctx0" brushRef="#br0">1142 144 24575,'8'3'0,"-1"0"0,2 0 0,2 5 0,-1-6 0,2 6 0,-4-5 0,1 0 0,35 16 0,19 0 0,4 1 0,4 8 0,14-4 0,-14-4 0,-56-13 0,57 7 0,-58-10 0,34 4 0,-39-7 0,10 2 0,-13-3 0,0 2 0,0-1 0,16 10 0,-1-1 0,46 26 0,5 2 0,-2 0-5619,-19-10 5619,-35-22 0,-13-3-31,22 7 31,-14-7 0,21 13 0,-24-15 0,9 7 0,-8-5 5607,3 3-5607,-3-2 43,2-2-43,-7 1 0,12-2 0,-10 1 0,13-2 0,-12 0 0,18 0 0,-16 0 0,21 0 0,-19 0 0,19-5 0,-18 1 0,23-13 0,-25 12 0,20-14 0,-22 17 0,17-17 0,-17 14 0,22-20 0,-21 19 0,27-23 0,-27 25 0,29-26 0,-28 27 0,23-18 0,-25 16 0,19-9 0,-18 10 0,16-7 0,-17 10 0,16-13 0,-15 12 0,21-14 0,-21 14 0,23-14 0,-22 12 0,27-10 0,-26 10 0,35-5 0,-35 9 0,37-3 0,-36 6 0,41 3 0,-32 0 0,13 0 0,26 11 0,-29-5-3392,32 10 0,2 0 3392,-25-7-983,36 12 1,0-1 982,-33-12 0,30 12 0,7 3 0,-30-8 0,-3 0 0,44 16 0,-32-12 0,-12-2 4054,-30-12-4054,34 10 2644,-44-15-2644,17 2 0,-14 0 0,12 0 0,-19-2 0,3-6 2051,-3 6-2051,3-6 0,-3 6 0,3-6 0,-3 3 0,0-1 0,2-1 0,4 7 0,-2-7 0,5 7 0,-6-7 0,-3 4 0,2-4 0,1 4 0,1-4 0,-1 4 0,-1-4 0,-2 2 0,9 2 0,-5-4 0,4 5 0,0-1 0,-3-4 0,8 7 0,-8-7 0,8 7 0,-6-7 0,26 28 0,-16-12 0,11 12 0,-1 6 0,-20-26 0,23 28 0,-25-31 0,16 21 0,-18-18 0,16 12 0,-18-13 0,23 27 0,-19-23 0,26 36 0,-27-37 0,30 40 0,-29-39 0,35 45 0,-35-43 0,27 38 0,-29-38 0,18 40 0,-19-42 0,12 50 0,-13-41 0,1 51 0,-5-50-6784,-8 70 6784,3-73-2269,-6 40 1,-1 1 2268,6-38-367,-6 39 0,2 3 367,6-31 0,-1 39 0,0 2 0,2-26-1396,2 37 1,2-1 1395,2-48 0,2 35 0,1-4 0,2-46 1876,12 76-1876,-14-81-2051,19 71 2051,-22-71 2171,16 48-2171,-18-53 0,12 32 0,-11-33 3780,11 36-3780,-9-27 0,10 42 0,-6-39 0,11 50 0,-14-57-1425,9 33 1,0 1 1424,-10-29 0,14 35 0,0 1 0,-13-36-861,29 69 861,-27-69-2551,28 55 2551,-28-57 356,27 46-356,-30-52 2219,26 36-2219,-24-37 0,21 40 0,-21-39-1579,23 53 1579,-25-51 0,14 26 3044,-17-31-3044,15 40 0,-10-27-594,13 69 594,-12-68-1235,0 32 0,0 0 1235,-3-32 0,6 51 0,-1 2 0,-6-46-1015,4 64 1,-1 1 1014,-6-63 0,5 63 0,-1-2 0,-2-63 0,0 55 0,-1 1 0,-1-56 0,-4 52 0,0-1 0,2-50 0,-3 63 0,0 3 0,3-52 0,-2 23 0,-1 19 0,1-18 0,2-18 0,-2 26 0,0 20 0,1-19 0,2-21 0,1 28 0,-2 22 0,2-22 0,0-27 0,-1 28 0,-1 25 0,1-24 0,0-28 0,0 21 0,-1 21 0,1-22 0,1-27 0,1 14 0,0 16 0,0-18 0,-1-24 909,2 35 1,-1-1-910,-1-34 0,0 12 0,0 1 0,0-13 0,0 18 0,0-3 0,0-25 0,0 37 0,0-3 0,0-40 0,0 40 0,0-1 0,0-42-910,0 42 1,0 0 909,0-42 0,0 38 0,0-1 0,0-39 0,-1 33 0,-1 0 0,2-34 0,-11 81 0,9-82 0,-10 39 0,-1 1 0,8-36 0,-13 47 0,0 0 0,13-45 0,-13 48 0,0 1 0,14-46 0,-13 55 0,0 2 0,13-50 0,-12 53 0,1-1 0,12-54 0,-7 48 0,1-1 0,8-49 0,-4 43 0,-1-1 0,5-43 352,-5 29 0,-1-2-352,2-33 0,-12 62 0,12-65 0,-8 54 0,12-56 418,-7 63-418,7-63 0,-2 73 0,3-73 0,3 76 0,-2-75 801,1 67-801,-2-65 0,0 22 2981,0-31-2981,0 16 0,0-15 0,-2 41 0,1-40 0,-2 56 0,3-53 3380,3 61-3380,0-54 6132,1 22-6132,4 4-4816,-7 3 4816,4-3-3675,-5 17 3675,-3-53-2163,-3 49 2163,0-52-553,-6 51 553,8-51 0,-12 52 0,14-49 0,-22 62 0,18-59 0,-25 64 0,22-65 0,-21 52 0,24-55 0,-18 39 0,18-40 0,-16 35 0,17-35 2088,-19 37-2088,21-37 0,-21 41 0,21-41 0,-19 40 0,17-42 2446,-17 39-2446,14-40 0,-17 33 0,17-35 896,-20 24-896,19-24 0,-18 15 0,18-13 0,-7 0 6308,10-2-6308,-22 2 0,17-3 0,-57 11 0,52-14-2754,-38 0 1,-3 0 2753,32-3-2189,-48-8 1,-1-1 2188,43 7-1517,-62-14 0,-3-1 1517,61 11-677,-26-3 1,-17-2 0,18 2 676,30 2 0,-50-3 0,2 0 0,53 6 0,-33-6 0,1 1 0,40 7 1218,-70-24-1218,72 23 0,-50-20 0,56 19 2214,-42-9-2214,42 10 0,-51-4 0,47 8 0,-60-6 0,58 6 0,-74-11 0,71 9 0,-31-7 0,-1-1 0,32 7 0,-79-21 0,80 18 3,-66-16-3,68 18-372,-58-13 372,59 15 0,-54-14 0,58 12 0,-63-21 0,61 18 0,-72-28 0,68 31-1643,-65-31 1643,66 31-412,-57-25 412,57 23 0,-60-25 0,59 22 0,-67-26 0,67 27 0,-76-32 0,75 35 0,-69-33 0,71 34 350,-61-25-350,62 23 0,-59-19 0,59 17 0,-51-14 0,52 17 2702,-33-11-2702,37 14 0,-19-11 0,23 8 4040,-19-12-4040,12 7 0,-19-7 0,16 7 0,-23-4 0,30 7 6041,-32-7-6041,33 9 2243,-32-16-2243,29 15 0,-25-16 0,26 15 0,-19-10 0,20 9 0,-19-11 0,20 11 0,-41-19 0,37 20 0,-48-20 0,41 19 0,-37-17 0,37 16 0,-25-15 0,36 19 0,-9-9 0,13 10 0,0-1 0,0 1 0,-3-2 0,-8-8 0,6 9 0,-15-11 0,16 12 0,-10-7 0,13 4 0,-12-7 0,11 9 0,-14-11 0,11 11 0,-6-6 0,-11-3 0,14 9-6784,-43-22 6784,40 23 0,-42-23 0,36 19 0,-9-7 0,1 1-904,19 10 904,-8-7 6337,4 8-6337,8-3 0,-26-6 0,21 7 0,-25-16 0,26 18 0,-14-19 0,17 18 0,-6-13 0,6 10 1351,0-5-1351,3 6 0,3 0 0,0 0 0,0 0 0,0 0 0,0 0 0,3-5 0,0-21 0,0 15 0,3-45 0,-6 45 0,6-49 0,-6 46 0,3-15 0,2-13-6784,4-11 6784,-1 5-4537,5-43 4537,-12 79-1517,6-36 0,0 0 1517,-5 34-1015,5-39 1,1 0 1014,-3 39 0,6-38 0,1-2 0,-6 38 0,14-30 0,-1 0 0,-13 33 0,18-30 0,1 0 0,-19 31 0,16-34 0,0 0 0,-18 34 0,10-37 0,-1-1 0,-8 36 0,2-36 0,-1 1 0,-2 34 1596,10-74-1596,-10 63 0,16-60 0,-11 53 0,10-53 0,-10 65 0,13-60 0,-16 68 0,12-67 0,-14 70-255,5-68 255,-6 69 0,2-71 0,-4 69 1106,7-69-1106,-7 70 2450,13-65-2450,-10 63 900,10-50-900,-7 51 0,7-46 0,-10 46 0,10-53 0,-13 56 1832,7-62-1832,-7 55-3194,6-75 3194,-3 71-1345,2-26 1,0 2 1344,-2 32 0,6-75 0,-8 76-1746,6-79 1746,-8 78 0,1-34 0,-2-1 0,1 33 0,-7-37 0,0 1 0,4 35 0,-7-39 0,1-1 0,6 36 0,-7-40 0,-1-1 0,5 41 0,-5-39 0,-1 2 0,4 41 0,-5-40 0,1 0 0,6 40 0,-8-33 0,1 0 0,10 36 280,-16-41 1,-3-5-281,9 30 0,-23-55 0,-2-3 0,19 50 0,-23-49 0,1 3 0,26 60 0,-19-47 0,0 1 0,21 50-281,-16-42 1,2 0 280,19 43 0,-15-33 0,3 2 0,15 33 0,-12-33 0,1 0 0,12 33 0,-8-31 0,1 1 0,9 34 0,-8-57 0,9 61 1320,-2-45-1320,3 45 0,-2-48 0,-2 47 0,-10-55 0,9 54 0,-8-27 2683,12 35-2683,-7-24 4011,4 5-4011,-5-41 1586,6 38-1586,0-45 0,3 59 0,-3-64 0,3 62 0,-8-65 0,6 66 0,-6-58 0,8 57 0,0-50 0,0 51 0,8-42 0,-4 45 0,8-50 0,-6 48 0,5-65 0,-7 61 0,4-77 0,-7 72-2269,2-35 1,-1 1 2268,-1 33-663,5-27 0,1 2 663,-1 31-2595,21-52 2595,-21 53 749,23-45-749,-23 52 1046,19-49-1046,-20 49 0,16-52 0,-15 51 471,13-64-471,-14 59 0,11-65 0,-14 64 1035,16-67-1035,-15 67 0,18-61 0,-18 65 0,18-52 0,-19 51 1344,17-53-1344,-14 53 0,14-56 0,-14 55 0,22-57 0,-21 57-2640,32-63 2640,-27 62 0,29-67 0,-30 67-1674,23-76 1674,-28 72-737,6-29 1,-2-1 736,-7 27 0,7-73 0,-8 77 83,4-70-83,-4 73 0,4-78 0,-4 76 0,0-35 0,0 1 0,-1 33 0,8-81 0,-6 81 37,14-70-37,-14 70 0,11-70 0,-9 72 0,5-74 0,-6 74 0,5-69 0,-6 70 1480,14-57-1480,-14 60 2068,17-46-2068,-17 47 0,11-45 0,-9 44 0,7-55 0,-7 54 0,7-59 0,-10 59 311,12-59-311,-8 58 194,12-50-194,-13 53 0,10-47 0,-13 45 0,7-51 0,-5 52 0,3-49 0,-3 49 103,3-36-103,-3 42 4147,3-23-4147,-3 25 5481,3-9-5481,-6 8 1453,8 0-1453,-6 0 1027,11-3-1027,-9 5 0,13-9 0,-4 6 0,2-6 0,-6 5 0,7-1 0,-11 5 0,15-4 0,-13 7 0,4-1 0,-2 2 0,-3 0 0,3 0 0,0 0 0,-3 0 0,5 2 0,-4-1 0,2 4 0,-3-4 0,0 2 0,0-1 0,0-1 0,7 7 0,-7-4 0,15 7 0,-16-7 0,17 9 0,-14-5 0,11 9 0,-11-5 0,19 22 0,-17-23 0,14 21 0,-17-28 0,9 16 0,-8-15 0,4 5 0,-10-10 0</inkml:trace>
+</inkml:ink>
+</file>
+
+<file path=ppt/ink/ink7.xml><?xml version="1.0" encoding="utf-8"?>
+<inkml:ink xmlns:inkml="http://www.w3.org/2003/InkML">
+  <inkml:definitions>
+    <inkml:context xml:id="ctx0">
+      <inkml:inkSource xml:id="inkSrc0">
+        <inkml:traceFormat>
+          <inkml:channel name="X" type="integer" min="-2.14748E9" max="2.14748E9" units="cm"/>
+          <inkml:channel name="Y" type="integer" min="-2.14748E9" max="2.14748E9" units="cm"/>
+          <inkml:channel name="F" type="integer" max="32767" units="dev"/>
+        </inkml:traceFormat>
+        <inkml:channelProperties>
+          <inkml:channelProperty channel="X" name="resolution" value="1000" units="1/cm"/>
+          <inkml:channelProperty channel="Y" name="resolution" value="1000" units="1/cm"/>
+          <inkml:channelProperty channel="F" name="resolution" value="0" units="1/dev"/>
+        </inkml:channelProperties>
+      </inkml:inkSource>
+      <inkml:timestamp xml:id="ts0" timeString="2023-09-28T20:34:58.303"/>
+    </inkml:context>
+    <inkml:brush xml:id="br0">
+      <inkml:brushProperty name="width" value="0.025" units="cm"/>
+      <inkml:brushProperty name="height" value="0.025" units="cm"/>
+    </inkml:brush>
+  </inkml:definitions>
+  <inkml:trace contextRef="#ctx0" brushRef="#br0">1 2320 24575,'16'-16'0,"-2"2"0,-8 11 0,-3-2 0,2 1 0,-1-2 0,2 3 0,-3-2 0,2 4 0,-4-4 0,17-9 0,-11 5 0,12-8 0,3-5 0,-12 12 0,41-42 0,-16 18-3392,7-10 0,1 0 3392,-5 5-2269,18-15 1,-4 3 2268,-32 29-1105,34-25 1,5-4 1104,-16 12-1151,22-9 0,2-1 1151,-17 10 0,20-10 0,-2 1 0,-29 16 0,24-16 0,1-2 0,-12 0-276,6-1 0,-3 2 276,-21 15 0,16-16 0,-4 3 0,-30 30 0,29-35 0,-1-1 0,-29 34 0,33-44 0,1 0 0,-31 40 0,21-31 0,-3 3 0,-25 40 1719,24-53-1719,-27 54 0,12-39 0,-16 39 0,9-31 0,-11 30 0,11-30 0,-12 31 2880,7-25-2880,-4 26 0,-1-30 0,0 29 4307,-3-34-4307,0 34 6441,0-29-6441,0 30 1037,0-18-1037,0 19 0,0-12 0,0 13 0,0-5 0,-3 9 0,2-2 0,-1 1 0,-1 1 0,2-2 0,-4 4 0,4-4 0,-4 4 0,1-2 0,-7 3 0,6-2 0,-21-2 0,18 1 0,-33-2 0,31 1 0,-42-4 0,40 4 0,-56-7 0,51 7 0,-65-2 0,63 3-6784,-75 3 6784,76 0-2269,-34 2 1,-1 1 2268,34-1-1517,-38 3 0,-2 0 1517,35-3-1015,-29 0 1,2 1 1014,33 0 2029,-39 0-2029,53 0 0,-11-3 3034,23 0-3034,4-6 4537,12 0-4537,28-6 0,-21 2 6784,22-1-6784,18-2 0,-37 8 0,28-3 0,-1 1 0,-39 6 0,36-2 0,4 1 0,-18 2 0,25 0 0,-34 0 0,-28 0 0,4 0 0,-5 0 0,8 0 0,-6 0 0,19-3 0,-17 2 0,17-1 0,-19 2 0,11 0 0,-14-3 0,5 2 0,-7-1 0,3 2 0,0 0 0,0 0 0,0 0 0,0 0 0,0 0 0,3 0 0,3-3 0,3 2 0,0-1 0,5 2 0,-7 0 0,23 0 0,-25 2 0,21-1 0,-30 4 0,17-1 0,-14-1 0,12 2 0,-11-4 0,6 2 0,-8-1 0,3-1 0,5 2 0,1 2 0,2-4 0,2 10 0,-10-10 0,10 10 0,-13-7 0,10 7 0,-10-7 0,4 9 0,-2-11 0,-3 9 0,8 5 0,-6 4 0,11 34 0,-8 10 0,0-13-6784,-3 40 6784,-4-71-2269,1 32 1,-1 1 2268,-1-31-1517,0 31 0,0 0 1517,0-30-2029,0 71 2029,0-75 313,2 66-313,-1-69 1100,7 51-1100,-7-56 2728,10 35-2728,-10-36 4080,7 12-4080,-7-16 0,2-3 0,-3 0 0</inkml:trace>
+</inkml:ink>
 </file>
 
 <file path=ppt/slideLayouts/slideLayout1.xml><?xml version="1.0" encoding="utf-8"?>
@@ -3677,8 +3873,8 @@
         </p:nvSpPr>
         <p:spPr>
           <a:xfrm>
-            <a:off x="1451579" y="2015732"/>
-            <a:ext cx="9603275" cy="4037749"/>
+            <a:off x="1451579" y="1853754"/>
+            <a:ext cx="9603275" cy="4199727"/>
           </a:xfrm>
         </p:spPr>
         <p:txBody>
@@ -3693,7 +3889,7 @@
           <a:p>
             <a:r>
               <a:rPr lang="en-US" dirty="0"/>
-              <a:t>Algorithms and designing interfaces (superset of chapter 4 stuff). </a:t>
+              <a:t>Algorithms and designing interfaces (superset of chapter 4 stuff). (012…)</a:t>
             </a:r>
           </a:p>
           <a:p>
@@ -3741,11 +3937,7 @@
             <a:pPr lvl="1"/>
             <a:r>
               <a:rPr lang="en-US" dirty="0"/>
-              <a:t>Tools today help to formalize this as </a:t>
-            </a:r>
-            <a:r>
-              <a:rPr lang="en-US"/>
-              <a:t>a concept. </a:t>
+              <a:t>Tools today help to formalize this as a concept. </a:t>
             </a:r>
           </a:p>
         </p:txBody>
@@ -3764,6 +3956,151 @@
 </file>
 
 <file path=ppt/slides/slide10.xml><?xml version="1.0" encoding="utf-8"?>
+<p:sld xmlns:a="http://schemas.openxmlformats.org/drawingml/2006/main" xmlns:r="http://schemas.openxmlformats.org/officeDocument/2006/relationships" xmlns:p="http://schemas.openxmlformats.org/presentationml/2006/main">
+  <p:cSld>
+    <p:spTree>
+      <p:nvGrpSpPr>
+        <p:cNvPr id="1" name=""/>
+        <p:cNvGrpSpPr/>
+        <p:nvPr/>
+      </p:nvGrpSpPr>
+      <p:grpSpPr>
+        <a:xfrm>
+          <a:off x="0" y="0"/>
+          <a:ext cx="0" cy="0"/>
+          <a:chOff x="0" y="0"/>
+          <a:chExt cx="0" cy="0"/>
+        </a:xfrm>
+      </p:grpSpPr>
+      <p:sp>
+        <p:nvSpPr>
+          <p:cNvPr id="2" name="Title 1">
+            <a:extLst>
+              <a:ext uri="{FF2B5EF4-FFF2-40B4-BE49-F238E27FC236}">
+                <a16:creationId xmlns:a16="http://schemas.microsoft.com/office/drawing/2014/main" id="{24EDF4DB-1073-C59F-BC7A-E3B7B08172E4}"/>
+              </a:ext>
+            </a:extLst>
+          </p:cNvPr>
+          <p:cNvSpPr>
+            <a:spLocks noGrp="1"/>
+          </p:cNvSpPr>
+          <p:nvPr>
+            <p:ph type="title"/>
+          </p:nvPr>
+        </p:nvSpPr>
+        <p:spPr/>
+        <p:txBody>
+          <a:bodyPr/>
+          <a:lstStyle/>
+          <a:p>
+            <a:r>
+              <a:rPr lang="en-US" dirty="0"/>
+              <a:t>Error Catching</a:t>
+            </a:r>
+          </a:p>
+        </p:txBody>
+      </p:sp>
+      <p:sp>
+        <p:nvSpPr>
+          <p:cNvPr id="3" name="Content Placeholder 2">
+            <a:extLst>
+              <a:ext uri="{FF2B5EF4-FFF2-40B4-BE49-F238E27FC236}">
+                <a16:creationId xmlns:a16="http://schemas.microsoft.com/office/drawing/2014/main" id="{C7EE0179-013A-F438-0DD2-0B48DA411E42}"/>
+              </a:ext>
+            </a:extLst>
+          </p:cNvPr>
+          <p:cNvSpPr>
+            <a:spLocks noGrp="1"/>
+          </p:cNvSpPr>
+          <p:nvPr>
+            <p:ph idx="1"/>
+          </p:nvPr>
+        </p:nvSpPr>
+        <p:spPr>
+          <a:xfrm>
+            <a:off x="1451579" y="1853754"/>
+            <a:ext cx="9603275" cy="4199727"/>
+          </a:xfrm>
+        </p:spPr>
+        <p:txBody>
+          <a:bodyPr/>
+          <a:lstStyle/>
+          <a:p>
+            <a:r>
+              <a:rPr lang="en-US" dirty="0"/>
+              <a:t>When creating code that does more complex things, it becomes likely we see errors. </a:t>
+            </a:r>
+          </a:p>
+          <a:p>
+            <a:r>
+              <a:rPr lang="en-US" dirty="0"/>
+              <a:t>Programs like Chrome or Tableau don’t just totally die if something goes wrong. </a:t>
+            </a:r>
+          </a:p>
+          <a:p>
+            <a:r>
+              <a:rPr lang="en-US" dirty="0"/>
+              <a:t>We can structure code to capture errors and do things to mitigate their impact. </a:t>
+            </a:r>
+          </a:p>
+          <a:p>
+            <a:pPr lvl="1"/>
+            <a:r>
+              <a:rPr lang="en-US" dirty="0"/>
+              <a:t>E.g. if we are loading a file and the supplied file name is wrong, we can ask for a new one instead of the program crashing. </a:t>
+            </a:r>
+          </a:p>
+          <a:p>
+            <a:pPr lvl="1"/>
+            <a:r>
+              <a:rPr lang="en-US" dirty="0"/>
+              <a:t>Depending on what the error is, we can take appropriate action. </a:t>
+            </a:r>
+          </a:p>
+          <a:p>
+            <a:pPr lvl="1"/>
+            <a:r>
+              <a:rPr lang="en-US" dirty="0"/>
+              <a:t>If it was a “bad” error, we can have some code to “tidy up” before crashing. </a:t>
+            </a:r>
+          </a:p>
+          <a:p>
+            <a:r>
+              <a:rPr lang="en-US" dirty="0"/>
+              <a:t>The keywords of TRY, EXCEPT, ELSE, and FINALLY can build an “if statement-</a:t>
+            </a:r>
+            <a:r>
+              <a:rPr lang="en-US" dirty="0" err="1"/>
+              <a:t>ish</a:t>
+            </a:r>
+            <a:r>
+              <a:rPr lang="en-US" dirty="0"/>
+              <a:t>” framework to deal with errors. </a:t>
+            </a:r>
+          </a:p>
+          <a:p>
+            <a:pPr lvl="1"/>
+            <a:r>
+              <a:rPr lang="en-US" dirty="0"/>
+              <a:t>Conceptually, this is very simple…</a:t>
+            </a:r>
+          </a:p>
+        </p:txBody>
+      </p:sp>
+    </p:spTree>
+    <p:extLst>
+      <p:ext uri="{BB962C8B-B14F-4D97-AF65-F5344CB8AC3E}">
+        <p14:creationId xmlns:p14="http://schemas.microsoft.com/office/powerpoint/2010/main" val="175856511"/>
+      </p:ext>
+    </p:extLst>
+  </p:cSld>
+  <p:clrMapOvr>
+    <a:masterClrMapping/>
+  </p:clrMapOvr>
+</p:sld>
+</file>
+
+<file path=ppt/slides/slide11.xml><?xml version="1.0" encoding="utf-8"?>
 <p:sld xmlns:a="http://schemas.openxmlformats.org/drawingml/2006/main" xmlns:r="http://schemas.openxmlformats.org/officeDocument/2006/relationships" xmlns:p="http://schemas.openxmlformats.org/presentationml/2006/main">
   <p:cSld>
     <p:spTree>
@@ -3890,168 +4227,6 @@
 </p:sld>
 </file>
 
-<file path=ppt/slides/slide11.xml><?xml version="1.0" encoding="utf-8"?>
-<p:sld xmlns:a="http://schemas.openxmlformats.org/drawingml/2006/main" xmlns:r="http://schemas.openxmlformats.org/officeDocument/2006/relationships" xmlns:p="http://schemas.openxmlformats.org/presentationml/2006/main">
-  <p:cSld>
-    <p:spTree>
-      <p:nvGrpSpPr>
-        <p:cNvPr id="1" name=""/>
-        <p:cNvGrpSpPr/>
-        <p:nvPr/>
-      </p:nvGrpSpPr>
-      <p:grpSpPr>
-        <a:xfrm>
-          <a:off x="0" y="0"/>
-          <a:ext cx="0" cy="0"/>
-          <a:chOff x="0" y="0"/>
-          <a:chExt cx="0" cy="0"/>
-        </a:xfrm>
-      </p:grpSpPr>
-      <p:sp>
-        <p:nvSpPr>
-          <p:cNvPr id="2" name="Title 1">
-            <a:extLst>
-              <a:ext uri="{FF2B5EF4-FFF2-40B4-BE49-F238E27FC236}">
-                <a16:creationId xmlns:a16="http://schemas.microsoft.com/office/drawing/2014/main" id="{049A6508-42F7-C0E6-E796-F4E1F321279A}"/>
-              </a:ext>
-            </a:extLst>
-          </p:cNvPr>
-          <p:cNvSpPr>
-            <a:spLocks noGrp="1"/>
-          </p:cNvSpPr>
-          <p:nvPr>
-            <p:ph type="title"/>
-          </p:nvPr>
-        </p:nvSpPr>
-        <p:spPr/>
-        <p:txBody>
-          <a:bodyPr/>
-          <a:lstStyle/>
-          <a:p>
-            <a:r>
-              <a:rPr lang="en-US" dirty="0"/>
-              <a:t>Error management</a:t>
-            </a:r>
-          </a:p>
-        </p:txBody>
-      </p:sp>
-      <p:sp>
-        <p:nvSpPr>
-          <p:cNvPr id="3" name="Content Placeholder 2">
-            <a:extLst>
-              <a:ext uri="{FF2B5EF4-FFF2-40B4-BE49-F238E27FC236}">
-                <a16:creationId xmlns:a16="http://schemas.microsoft.com/office/drawing/2014/main" id="{9F1F91D3-E3BC-0E87-D32D-CE2BC87D05E9}"/>
-              </a:ext>
-            </a:extLst>
-          </p:cNvPr>
-          <p:cNvSpPr>
-            <a:spLocks noGrp="1"/>
-          </p:cNvSpPr>
-          <p:nvPr>
-            <p:ph idx="1"/>
-          </p:nvPr>
-        </p:nvSpPr>
-        <p:spPr>
-          <a:xfrm>
-            <a:off x="1451579" y="1853754"/>
-            <a:ext cx="9603275" cy="4199727"/>
-          </a:xfrm>
-        </p:spPr>
-        <p:txBody>
-          <a:bodyPr>
-            <a:normAutofit lnSpcReduction="10000"/>
-          </a:bodyPr>
-          <a:lstStyle/>
-          <a:p>
-            <a:r>
-              <a:rPr lang="en-US" dirty="0"/>
-              <a:t>There are many types of errors (file access, index out-of-range, </a:t>
-            </a:r>
-            <a:r>
-              <a:rPr lang="en-US" dirty="0" err="1"/>
-              <a:t>etc</a:t>
-            </a:r>
-            <a:r>
-              <a:rPr lang="en-US" dirty="0"/>
-              <a:t>…) and we can set separate except blocks to deal with each differently. </a:t>
-            </a:r>
-          </a:p>
-          <a:p>
-            <a:r>
-              <a:rPr lang="en-US" dirty="0"/>
-              <a:t>Once the error is caught, it wont automatically kill your program, it is now your problem. </a:t>
-            </a:r>
-          </a:p>
-          <a:p>
-            <a:pPr lvl="1"/>
-            <a:r>
-              <a:rPr lang="en-US" dirty="0"/>
-              <a:t>If the error is recoverable we can skip, change, repeat or whatever to recover. </a:t>
-            </a:r>
-          </a:p>
-          <a:p>
-            <a:pPr lvl="1"/>
-            <a:r>
-              <a:rPr lang="en-US" dirty="0"/>
-              <a:t>If the error is fatal, we can do anything (logging, saving, </a:t>
-            </a:r>
-            <a:r>
-              <a:rPr lang="en-US" dirty="0" err="1"/>
-              <a:t>etc</a:t>
-            </a:r>
-            <a:r>
-              <a:rPr lang="en-US" dirty="0"/>
-              <a:t>…) prior to killing it. </a:t>
-            </a:r>
-          </a:p>
-          <a:p>
-            <a:pPr lvl="1"/>
-            <a:r>
-              <a:rPr lang="en-US" dirty="0"/>
-              <a:t>We can do pretty much anything we can do in code, so we have flexibility. </a:t>
-            </a:r>
-          </a:p>
-          <a:p>
-            <a:r>
-              <a:rPr lang="en-US" dirty="0"/>
-              <a:t>Some very common error-generators can be helped with catching errors:</a:t>
-            </a:r>
-          </a:p>
-          <a:p>
-            <a:pPr lvl="1"/>
-            <a:r>
-              <a:rPr lang="en-US" dirty="0"/>
-              <a:t>File access, data cleaning, input checking for any user input. </a:t>
-            </a:r>
-          </a:p>
-          <a:p>
-            <a:r>
-              <a:rPr lang="en-US" dirty="0"/>
-              <a:t>Common use for the loop keywords - break, pass, continue. </a:t>
-            </a:r>
-          </a:p>
-          <a:p>
-            <a:pPr lvl="1"/>
-            <a:r>
-              <a:rPr lang="en-US" dirty="0"/>
-              <a:t>We often need to deal with an incorrect value in a loop, then redirect using these. </a:t>
-            </a:r>
-          </a:p>
-        </p:txBody>
-      </p:sp>
-    </p:spTree>
-    <p:extLst>
-      <p:ext uri="{BB962C8B-B14F-4D97-AF65-F5344CB8AC3E}">
-        <p14:creationId xmlns:p14="http://schemas.microsoft.com/office/powerpoint/2010/main" val="3965791741"/>
-      </p:ext>
-    </p:extLst>
-  </p:cSld>
-  <p:clrMapOvr>
-    <a:masterClrMapping/>
-  </p:clrMapOvr>
-</p:sld>
-</file>
-
 <file path=ppt/slides/slide12.xml><?xml version="1.0" encoding="utf-8"?>
 <p:sld xmlns:a="http://schemas.openxmlformats.org/drawingml/2006/main" xmlns:r="http://schemas.openxmlformats.org/officeDocument/2006/relationships" xmlns:p="http://schemas.openxmlformats.org/presentationml/2006/main">
   <p:cSld>
@@ -4074,6 +4249,168 @@
           <p:cNvPr id="2" name="Title 1">
             <a:extLst>
               <a:ext uri="{FF2B5EF4-FFF2-40B4-BE49-F238E27FC236}">
+                <a16:creationId xmlns:a16="http://schemas.microsoft.com/office/drawing/2014/main" id="{049A6508-42F7-C0E6-E796-F4E1F321279A}"/>
+              </a:ext>
+            </a:extLst>
+          </p:cNvPr>
+          <p:cNvSpPr>
+            <a:spLocks noGrp="1"/>
+          </p:cNvSpPr>
+          <p:nvPr>
+            <p:ph type="title"/>
+          </p:nvPr>
+        </p:nvSpPr>
+        <p:spPr/>
+        <p:txBody>
+          <a:bodyPr/>
+          <a:lstStyle/>
+          <a:p>
+            <a:r>
+              <a:rPr lang="en-US" dirty="0"/>
+              <a:t>Error management</a:t>
+            </a:r>
+          </a:p>
+        </p:txBody>
+      </p:sp>
+      <p:sp>
+        <p:nvSpPr>
+          <p:cNvPr id="3" name="Content Placeholder 2">
+            <a:extLst>
+              <a:ext uri="{FF2B5EF4-FFF2-40B4-BE49-F238E27FC236}">
+                <a16:creationId xmlns:a16="http://schemas.microsoft.com/office/drawing/2014/main" id="{9F1F91D3-E3BC-0E87-D32D-CE2BC87D05E9}"/>
+              </a:ext>
+            </a:extLst>
+          </p:cNvPr>
+          <p:cNvSpPr>
+            <a:spLocks noGrp="1"/>
+          </p:cNvSpPr>
+          <p:nvPr>
+            <p:ph idx="1"/>
+          </p:nvPr>
+        </p:nvSpPr>
+        <p:spPr>
+          <a:xfrm>
+            <a:off x="1451579" y="1853754"/>
+            <a:ext cx="9603275" cy="4199727"/>
+          </a:xfrm>
+        </p:spPr>
+        <p:txBody>
+          <a:bodyPr>
+            <a:normAutofit lnSpcReduction="10000"/>
+          </a:bodyPr>
+          <a:lstStyle/>
+          <a:p>
+            <a:r>
+              <a:rPr lang="en-US" dirty="0"/>
+              <a:t>There are many types of errors (file access, index out-of-range, </a:t>
+            </a:r>
+            <a:r>
+              <a:rPr lang="en-US" dirty="0" err="1"/>
+              <a:t>etc</a:t>
+            </a:r>
+            <a:r>
+              <a:rPr lang="en-US" dirty="0"/>
+              <a:t>…) and we can set separate except blocks to deal with each differently. </a:t>
+            </a:r>
+          </a:p>
+          <a:p>
+            <a:r>
+              <a:rPr lang="en-US" dirty="0"/>
+              <a:t>Once the error is caught, it wont automatically kill your program, it is now your problem. </a:t>
+            </a:r>
+          </a:p>
+          <a:p>
+            <a:pPr lvl="1"/>
+            <a:r>
+              <a:rPr lang="en-US" dirty="0"/>
+              <a:t>If the error is recoverable we can skip, change, repeat or whatever to recover. </a:t>
+            </a:r>
+          </a:p>
+          <a:p>
+            <a:pPr lvl="1"/>
+            <a:r>
+              <a:rPr lang="en-US" dirty="0"/>
+              <a:t>If the error is fatal, we can do anything (logging, saving, </a:t>
+            </a:r>
+            <a:r>
+              <a:rPr lang="en-US" dirty="0" err="1"/>
+              <a:t>etc</a:t>
+            </a:r>
+            <a:r>
+              <a:rPr lang="en-US" dirty="0"/>
+              <a:t>…) prior to killing it. </a:t>
+            </a:r>
+          </a:p>
+          <a:p>
+            <a:pPr lvl="1"/>
+            <a:r>
+              <a:rPr lang="en-US" dirty="0"/>
+              <a:t>We can do pretty much anything we can do in code, so we have flexibility. </a:t>
+            </a:r>
+          </a:p>
+          <a:p>
+            <a:r>
+              <a:rPr lang="en-US" dirty="0"/>
+              <a:t>Some very common error-generators can be helped with catching errors:</a:t>
+            </a:r>
+          </a:p>
+          <a:p>
+            <a:pPr lvl="1"/>
+            <a:r>
+              <a:rPr lang="en-US" dirty="0"/>
+              <a:t>File access, data cleaning, input checking for any user input. </a:t>
+            </a:r>
+          </a:p>
+          <a:p>
+            <a:r>
+              <a:rPr lang="en-US" dirty="0"/>
+              <a:t>Common use for the loop keywords - break, pass, continue. </a:t>
+            </a:r>
+          </a:p>
+          <a:p>
+            <a:pPr lvl="1"/>
+            <a:r>
+              <a:rPr lang="en-US" dirty="0"/>
+              <a:t>We often need to deal with an incorrect value in a loop, then redirect using these. </a:t>
+            </a:r>
+          </a:p>
+        </p:txBody>
+      </p:sp>
+    </p:spTree>
+    <p:extLst>
+      <p:ext uri="{BB962C8B-B14F-4D97-AF65-F5344CB8AC3E}">
+        <p14:creationId xmlns:p14="http://schemas.microsoft.com/office/powerpoint/2010/main" val="3965791741"/>
+      </p:ext>
+    </p:extLst>
+  </p:cSld>
+  <p:clrMapOvr>
+    <a:masterClrMapping/>
+  </p:clrMapOvr>
+</p:sld>
+</file>
+
+<file path=ppt/slides/slide13.xml><?xml version="1.0" encoding="utf-8"?>
+<p:sld xmlns:a="http://schemas.openxmlformats.org/drawingml/2006/main" xmlns:r="http://schemas.openxmlformats.org/officeDocument/2006/relationships" xmlns:p="http://schemas.openxmlformats.org/presentationml/2006/main">
+  <p:cSld>
+    <p:spTree>
+      <p:nvGrpSpPr>
+        <p:cNvPr id="1" name=""/>
+        <p:cNvGrpSpPr/>
+        <p:nvPr/>
+      </p:nvGrpSpPr>
+      <p:grpSpPr>
+        <a:xfrm>
+          <a:off x="0" y="0"/>
+          <a:ext cx="0" cy="0"/>
+          <a:chOff x="0" y="0"/>
+          <a:chExt cx="0" cy="0"/>
+        </a:xfrm>
+      </p:grpSpPr>
+      <p:sp>
+        <p:nvSpPr>
+          <p:cNvPr id="2" name="Title 1">
+            <a:extLst>
+              <a:ext uri="{FF2B5EF4-FFF2-40B4-BE49-F238E27FC236}">
                 <a16:creationId xmlns:a16="http://schemas.microsoft.com/office/drawing/2014/main" id="{B653E61D-D1F8-DF9A-AC80-01532A20D48D}"/>
               </a:ext>
             </a:extLst>
@@ -4190,6 +4527,985 @@
     <p:extLst>
       <p:ext uri="{BB962C8B-B14F-4D97-AF65-F5344CB8AC3E}">
         <p14:creationId xmlns:p14="http://schemas.microsoft.com/office/powerpoint/2010/main" val="3484618418"/>
+      </p:ext>
+    </p:extLst>
+  </p:cSld>
+  <p:clrMapOvr>
+    <a:masterClrMapping/>
+  </p:clrMapOvr>
+</p:sld>
+</file>
+
+<file path=ppt/slides/slide14.xml><?xml version="1.0" encoding="utf-8"?>
+<p:sld xmlns:a="http://schemas.openxmlformats.org/drawingml/2006/main" xmlns:r="http://schemas.openxmlformats.org/officeDocument/2006/relationships" xmlns:p="http://schemas.openxmlformats.org/presentationml/2006/main">
+  <p:cSld>
+    <p:spTree>
+      <p:nvGrpSpPr>
+        <p:cNvPr id="1" name=""/>
+        <p:cNvGrpSpPr/>
+        <p:nvPr/>
+      </p:nvGrpSpPr>
+      <p:grpSpPr>
+        <a:xfrm>
+          <a:off x="0" y="0"/>
+          <a:ext cx="0" cy="0"/>
+          <a:chOff x="0" y="0"/>
+          <a:chExt cx="0" cy="0"/>
+        </a:xfrm>
+      </p:grpSpPr>
+      <p:grpSp>
+        <p:nvGrpSpPr>
+          <p:cNvPr id="8" name="Group 7">
+            <a:extLst>
+              <a:ext uri="{FF2B5EF4-FFF2-40B4-BE49-F238E27FC236}">
+                <a16:creationId xmlns:a16="http://schemas.microsoft.com/office/drawing/2014/main" id="{9CE9C162-D317-CB62-00AC-3E5BC0F1464D}"/>
+              </a:ext>
+            </a:extLst>
+          </p:cNvPr>
+          <p:cNvGrpSpPr/>
+          <p:nvPr/>
+        </p:nvGrpSpPr>
+        <p:grpSpPr>
+          <a:xfrm>
+            <a:off x="3122230" y="3862351"/>
+            <a:ext cx="5389428" cy="1162878"/>
+            <a:chOff x="1938129" y="3210339"/>
+            <a:chExt cx="5389428" cy="1162878"/>
+          </a:xfrm>
+        </p:grpSpPr>
+        <p:sp>
+          <p:nvSpPr>
+            <p:cNvPr id="4" name="Process 3">
+              <a:extLst>
+                <a:ext uri="{FF2B5EF4-FFF2-40B4-BE49-F238E27FC236}">
+                  <a16:creationId xmlns:a16="http://schemas.microsoft.com/office/drawing/2014/main" id="{5DAC55D0-F14E-633D-0D8B-93A0D01A0C24}"/>
+                </a:ext>
+              </a:extLst>
+            </p:cNvPr>
+            <p:cNvSpPr/>
+            <p:nvPr/>
+          </p:nvSpPr>
+          <p:spPr>
+            <a:xfrm>
+              <a:off x="3458817" y="3210339"/>
+              <a:ext cx="1918253" cy="1162878"/>
+            </a:xfrm>
+            <a:prstGeom prst="flowChartProcess">
+              <a:avLst/>
+            </a:prstGeom>
+          </p:spPr>
+          <p:style>
+            <a:lnRef idx="2">
+              <a:schemeClr val="accent1">
+                <a:shade val="15000"/>
+              </a:schemeClr>
+            </a:lnRef>
+            <a:fillRef idx="1">
+              <a:schemeClr val="accent1"/>
+            </a:fillRef>
+            <a:effectRef idx="0">
+              <a:schemeClr val="accent1"/>
+            </a:effectRef>
+            <a:fontRef idx="minor">
+              <a:schemeClr val="lt1"/>
+            </a:fontRef>
+          </p:style>
+          <p:txBody>
+            <a:bodyPr rtlCol="0" anchor="ctr"/>
+            <a:lstStyle/>
+            <a:p>
+              <a:pPr algn="ctr"/>
+              <a:r>
+                <a:rPr lang="en-US" dirty="0"/>
+                <a:t>Our Function</a:t>
+              </a:r>
+            </a:p>
+          </p:txBody>
+        </p:sp>
+        <p:sp>
+          <p:nvSpPr>
+            <p:cNvPr id="5" name="Right Arrow 4">
+              <a:extLst>
+                <a:ext uri="{FF2B5EF4-FFF2-40B4-BE49-F238E27FC236}">
+                  <a16:creationId xmlns:a16="http://schemas.microsoft.com/office/drawing/2014/main" id="{DF0EF564-C3E6-6AF8-380D-028735BECA30}"/>
+                </a:ext>
+              </a:extLst>
+            </p:cNvPr>
+            <p:cNvSpPr/>
+            <p:nvPr/>
+          </p:nvSpPr>
+          <p:spPr>
+            <a:xfrm>
+              <a:off x="1938129" y="3533361"/>
+              <a:ext cx="1520687" cy="519655"/>
+            </a:xfrm>
+            <a:prstGeom prst="rightArrow">
+              <a:avLst/>
+            </a:prstGeom>
+          </p:spPr>
+          <p:style>
+            <a:lnRef idx="2">
+              <a:schemeClr val="accent1">
+                <a:shade val="15000"/>
+              </a:schemeClr>
+            </a:lnRef>
+            <a:fillRef idx="1">
+              <a:schemeClr val="accent1"/>
+            </a:fillRef>
+            <a:effectRef idx="0">
+              <a:schemeClr val="accent1"/>
+            </a:effectRef>
+            <a:fontRef idx="minor">
+              <a:schemeClr val="lt1"/>
+            </a:fontRef>
+          </p:style>
+          <p:txBody>
+            <a:bodyPr rtlCol="0" anchor="ctr"/>
+            <a:lstStyle/>
+            <a:p>
+              <a:pPr algn="ctr"/>
+              <a:r>
+                <a:rPr lang="en-US" dirty="0"/>
+                <a:t>Inputs</a:t>
+              </a:r>
+            </a:p>
+          </p:txBody>
+        </p:sp>
+        <p:sp>
+          <p:nvSpPr>
+            <p:cNvPr id="6" name="Right Arrow 5">
+              <a:extLst>
+                <a:ext uri="{FF2B5EF4-FFF2-40B4-BE49-F238E27FC236}">
+                  <a16:creationId xmlns:a16="http://schemas.microsoft.com/office/drawing/2014/main" id="{2667EA6F-8574-A18C-BFF2-E828B9B2AE9B}"/>
+                </a:ext>
+              </a:extLst>
+            </p:cNvPr>
+            <p:cNvSpPr/>
+            <p:nvPr/>
+          </p:nvSpPr>
+          <p:spPr>
+            <a:xfrm flipV="1">
+              <a:off x="5496339" y="3583849"/>
+              <a:ext cx="1831218" cy="605092"/>
+            </a:xfrm>
+            <a:prstGeom prst="rightArrow">
+              <a:avLst/>
+            </a:prstGeom>
+          </p:spPr>
+          <p:style>
+            <a:lnRef idx="2">
+              <a:schemeClr val="accent1">
+                <a:shade val="15000"/>
+              </a:schemeClr>
+            </a:lnRef>
+            <a:fillRef idx="1">
+              <a:schemeClr val="accent1"/>
+            </a:fillRef>
+            <a:effectRef idx="0">
+              <a:schemeClr val="accent1"/>
+            </a:effectRef>
+            <a:fontRef idx="minor">
+              <a:schemeClr val="lt1"/>
+            </a:fontRef>
+          </p:style>
+          <p:txBody>
+            <a:bodyPr rtlCol="0" anchor="ctr"/>
+            <a:lstStyle/>
+            <a:p>
+              <a:pPr algn="ctr"/>
+              <a:r>
+                <a:rPr lang="en-US" dirty="0"/>
+                <a:t>Outputs</a:t>
+              </a:r>
+            </a:p>
+          </p:txBody>
+        </p:sp>
+      </p:grpSp>
+      <p:sp>
+        <p:nvSpPr>
+          <p:cNvPr id="7" name="Process 6">
+            <a:extLst>
+              <a:ext uri="{FF2B5EF4-FFF2-40B4-BE49-F238E27FC236}">
+                <a16:creationId xmlns:a16="http://schemas.microsoft.com/office/drawing/2014/main" id="{B5D505A0-795D-9FD0-4C8E-03AAAB2FBD2F}"/>
+              </a:ext>
+            </a:extLst>
+          </p:cNvPr>
+          <p:cNvSpPr/>
+          <p:nvPr/>
+        </p:nvSpPr>
+        <p:spPr>
+          <a:xfrm>
+            <a:off x="1977888" y="1814085"/>
+            <a:ext cx="7678112" cy="4017021"/>
+          </a:xfrm>
+          <a:prstGeom prst="flowChartProcess">
+            <a:avLst/>
+          </a:prstGeom>
+          <a:noFill/>
+          <a:ln w="76200">
+            <a:solidFill>
+              <a:schemeClr val="accent5"/>
+            </a:solidFill>
+          </a:ln>
+        </p:spPr>
+        <p:style>
+          <a:lnRef idx="2">
+            <a:schemeClr val="accent1">
+              <a:shade val="15000"/>
+            </a:schemeClr>
+          </a:lnRef>
+          <a:fillRef idx="1">
+            <a:schemeClr val="accent1"/>
+          </a:fillRef>
+          <a:effectRef idx="0">
+            <a:schemeClr val="accent1"/>
+          </a:effectRef>
+          <a:fontRef idx="minor">
+            <a:schemeClr val="lt1"/>
+          </a:fontRef>
+        </p:style>
+        <p:txBody>
+          <a:bodyPr rtlCol="0" anchor="ctr"/>
+          <a:lstStyle/>
+          <a:p>
+            <a:pPr algn="ctr"/>
+            <a:endParaRPr lang="en-US"/>
+          </a:p>
+        </p:txBody>
+      </p:sp>
+      <p:sp>
+        <p:nvSpPr>
+          <p:cNvPr id="9" name="Right Arrow 8">
+            <a:extLst>
+              <a:ext uri="{FF2B5EF4-FFF2-40B4-BE49-F238E27FC236}">
+                <a16:creationId xmlns:a16="http://schemas.microsoft.com/office/drawing/2014/main" id="{859C41DD-B1C8-99B7-2D20-F8F29C97141E}"/>
+              </a:ext>
+            </a:extLst>
+          </p:cNvPr>
+          <p:cNvSpPr/>
+          <p:nvPr/>
+        </p:nvSpPr>
+        <p:spPr>
+          <a:xfrm>
+            <a:off x="27401" y="4279190"/>
+            <a:ext cx="1838739" cy="1123525"/>
+          </a:xfrm>
+          <a:prstGeom prst="rightArrow">
+            <a:avLst/>
+          </a:prstGeom>
+          <a:solidFill>
+            <a:schemeClr val="accent5"/>
+          </a:solidFill>
+          <a:ln>
+            <a:solidFill>
+              <a:schemeClr val="accent5"/>
+            </a:solidFill>
+          </a:ln>
+        </p:spPr>
+        <p:style>
+          <a:lnRef idx="2">
+            <a:schemeClr val="accent1">
+              <a:shade val="15000"/>
+            </a:schemeClr>
+          </a:lnRef>
+          <a:fillRef idx="1">
+            <a:schemeClr val="accent1"/>
+          </a:fillRef>
+          <a:effectRef idx="0">
+            <a:schemeClr val="accent1"/>
+          </a:effectRef>
+          <a:fontRef idx="minor">
+            <a:schemeClr val="lt1"/>
+          </a:fontRef>
+        </p:style>
+        <p:txBody>
+          <a:bodyPr rtlCol="0" anchor="ctr"/>
+          <a:lstStyle/>
+          <a:p>
+            <a:pPr algn="ctr"/>
+            <a:r>
+              <a:rPr lang="en-US" dirty="0"/>
+              <a:t>List of test inputs</a:t>
+            </a:r>
+          </a:p>
+        </p:txBody>
+      </p:sp>
+      <p:sp>
+        <p:nvSpPr>
+          <p:cNvPr id="10" name="Right Arrow 9">
+            <a:extLst>
+              <a:ext uri="{FF2B5EF4-FFF2-40B4-BE49-F238E27FC236}">
+                <a16:creationId xmlns:a16="http://schemas.microsoft.com/office/drawing/2014/main" id="{F3BE77B3-E1B4-D591-BA36-201EBDEB28C4}"/>
+              </a:ext>
+            </a:extLst>
+          </p:cNvPr>
+          <p:cNvSpPr/>
+          <p:nvPr/>
+        </p:nvSpPr>
+        <p:spPr>
+          <a:xfrm>
+            <a:off x="9775269" y="3001617"/>
+            <a:ext cx="1838739" cy="1123525"/>
+          </a:xfrm>
+          <a:prstGeom prst="rightArrow">
+            <a:avLst/>
+          </a:prstGeom>
+          <a:solidFill>
+            <a:schemeClr val="accent5"/>
+          </a:solidFill>
+          <a:ln>
+            <a:solidFill>
+              <a:schemeClr val="accent5"/>
+            </a:solidFill>
+          </a:ln>
+        </p:spPr>
+        <p:style>
+          <a:lnRef idx="2">
+            <a:schemeClr val="accent1">
+              <a:shade val="15000"/>
+            </a:schemeClr>
+          </a:lnRef>
+          <a:fillRef idx="1">
+            <a:schemeClr val="accent1"/>
+          </a:fillRef>
+          <a:effectRef idx="0">
+            <a:schemeClr val="accent1"/>
+          </a:effectRef>
+          <a:fontRef idx="minor">
+            <a:schemeClr val="lt1"/>
+          </a:fontRef>
+        </p:style>
+        <p:txBody>
+          <a:bodyPr rtlCol="0" anchor="ctr"/>
+          <a:lstStyle/>
+          <a:p>
+            <a:pPr algn="ctr"/>
+            <a:r>
+              <a:rPr lang="en-US" dirty="0"/>
+              <a:t>List of results</a:t>
+            </a:r>
+          </a:p>
+        </p:txBody>
+      </p:sp>
+      <p:sp>
+        <p:nvSpPr>
+          <p:cNvPr id="12" name="Right Arrow 11">
+            <a:extLst>
+              <a:ext uri="{FF2B5EF4-FFF2-40B4-BE49-F238E27FC236}">
+                <a16:creationId xmlns:a16="http://schemas.microsoft.com/office/drawing/2014/main" id="{1DD87604-8FDB-4513-CC40-7FECA527F571}"/>
+              </a:ext>
+            </a:extLst>
+          </p:cNvPr>
+          <p:cNvSpPr/>
+          <p:nvPr/>
+        </p:nvSpPr>
+        <p:spPr>
+          <a:xfrm>
+            <a:off x="19880" y="1550907"/>
+            <a:ext cx="1838739" cy="1123525"/>
+          </a:xfrm>
+          <a:prstGeom prst="rightArrow">
+            <a:avLst/>
+          </a:prstGeom>
+          <a:solidFill>
+            <a:schemeClr val="accent5"/>
+          </a:solidFill>
+          <a:ln>
+            <a:solidFill>
+              <a:schemeClr val="accent5"/>
+            </a:solidFill>
+          </a:ln>
+        </p:spPr>
+        <p:style>
+          <a:lnRef idx="2">
+            <a:schemeClr val="accent1">
+              <a:shade val="15000"/>
+            </a:schemeClr>
+          </a:lnRef>
+          <a:fillRef idx="1">
+            <a:schemeClr val="accent1"/>
+          </a:fillRef>
+          <a:effectRef idx="0">
+            <a:schemeClr val="accent1"/>
+          </a:effectRef>
+          <a:fontRef idx="minor">
+            <a:schemeClr val="lt1"/>
+          </a:fontRef>
+        </p:style>
+        <p:txBody>
+          <a:bodyPr rtlCol="0" anchor="ctr"/>
+          <a:lstStyle/>
+          <a:p>
+            <a:pPr algn="ctr"/>
+            <a:r>
+              <a:rPr lang="en-US" dirty="0"/>
+              <a:t>List of correct results</a:t>
+            </a:r>
+          </a:p>
+        </p:txBody>
+      </p:sp>
+      <mc:AlternateContent xmlns:mc="http://schemas.openxmlformats.org/markup-compatibility/2006">
+        <mc:Choice xmlns:p14="http://schemas.microsoft.com/office/powerpoint/2010/main" Requires="p14">
+          <p:contentPart p14:bwMode="auto" r:id="rId2">
+            <p14:nvContentPartPr>
+              <p14:cNvPr id="13" name="Ink 12">
+                <a:extLst>
+                  <a:ext uri="{FF2B5EF4-FFF2-40B4-BE49-F238E27FC236}">
+                    <a16:creationId xmlns:a16="http://schemas.microsoft.com/office/drawing/2014/main" id="{1E44BB36-F7BC-E1DA-3053-827CD1D205EE}"/>
+                  </a:ext>
+                </a:extLst>
+              </p14:cNvPr>
+              <p14:cNvContentPartPr/>
+              <p14:nvPr/>
+            </p14:nvContentPartPr>
+            <p14:xfrm>
+              <a:off x="2073772" y="4269819"/>
+              <a:ext cx="1012320" cy="659880"/>
+            </p14:xfrm>
+          </p:contentPart>
+        </mc:Choice>
+        <mc:Fallback>
+          <p:pic>
+            <p:nvPicPr>
+              <p:cNvPr id="13" name="Ink 12">
+                <a:extLst>
+                  <a:ext uri="{FF2B5EF4-FFF2-40B4-BE49-F238E27FC236}">
+                    <a16:creationId xmlns:a16="http://schemas.microsoft.com/office/drawing/2014/main" id="{1E44BB36-F7BC-E1DA-3053-827CD1D205EE}"/>
+                  </a:ext>
+                </a:extLst>
+              </p:cNvPr>
+              <p:cNvPicPr/>
+              <p:nvPr/>
+            </p:nvPicPr>
+            <p:blipFill>
+              <a:blip r:embed="rId3"/>
+              <a:stretch>
+                <a:fillRect/>
+              </a:stretch>
+            </p:blipFill>
+            <p:spPr>
+              <a:xfrm>
+                <a:off x="2065132" y="4260819"/>
+                <a:ext cx="1029960" cy="677520"/>
+              </a:xfrm>
+              <a:prstGeom prst="rect">
+                <a:avLst/>
+              </a:prstGeom>
+            </p:spPr>
+          </p:pic>
+        </mc:Fallback>
+      </mc:AlternateContent>
+      <p:grpSp>
+        <p:nvGrpSpPr>
+          <p:cNvPr id="17" name="Group 16">
+            <a:extLst>
+              <a:ext uri="{FF2B5EF4-FFF2-40B4-BE49-F238E27FC236}">
+                <a16:creationId xmlns:a16="http://schemas.microsoft.com/office/drawing/2014/main" id="{68F63B73-846D-60F4-C80D-1C7AE6194F0C}"/>
+              </a:ext>
+            </a:extLst>
+          </p:cNvPr>
+          <p:cNvGrpSpPr/>
+          <p:nvPr/>
+        </p:nvGrpSpPr>
+        <p:grpSpPr>
+          <a:xfrm>
+            <a:off x="7251652" y="2028099"/>
+            <a:ext cx="1618920" cy="2579040"/>
+            <a:chOff x="7251652" y="2028099"/>
+            <a:chExt cx="1618920" cy="2579040"/>
+          </a:xfrm>
+        </p:grpSpPr>
+        <mc:AlternateContent xmlns:mc="http://schemas.openxmlformats.org/markup-compatibility/2006">
+          <mc:Choice xmlns:p14="http://schemas.microsoft.com/office/powerpoint/2010/main" Requires="p14">
+            <p:contentPart p14:bwMode="auto" r:id="rId4">
+              <p14:nvContentPartPr>
+                <p14:cNvPr id="14" name="Ink 13">
+                  <a:extLst>
+                    <a:ext uri="{FF2B5EF4-FFF2-40B4-BE49-F238E27FC236}">
+                      <a16:creationId xmlns:a16="http://schemas.microsoft.com/office/drawing/2014/main" id="{19624B31-4939-7A93-1066-EFBD31DECC5F}"/>
+                    </a:ext>
+                  </a:extLst>
+                </p14:cNvPr>
+                <p14:cNvContentPartPr/>
+                <p14:nvPr/>
+              </p14:nvContentPartPr>
+              <p14:xfrm>
+                <a:off x="7333372" y="2088939"/>
+                <a:ext cx="1537200" cy="2518200"/>
+              </p14:xfrm>
+            </p:contentPart>
+          </mc:Choice>
+          <mc:Fallback>
+            <p:pic>
+              <p:nvPicPr>
+                <p:cNvPr id="14" name="Ink 13">
+                  <a:extLst>
+                    <a:ext uri="{FF2B5EF4-FFF2-40B4-BE49-F238E27FC236}">
+                      <a16:creationId xmlns:a16="http://schemas.microsoft.com/office/drawing/2014/main" id="{19624B31-4939-7A93-1066-EFBD31DECC5F}"/>
+                    </a:ext>
+                  </a:extLst>
+                </p:cNvPr>
+                <p:cNvPicPr/>
+                <p:nvPr/>
+              </p:nvPicPr>
+              <p:blipFill>
+                <a:blip r:embed="rId5"/>
+                <a:stretch>
+                  <a:fillRect/>
+                </a:stretch>
+              </p:blipFill>
+              <p:spPr>
+                <a:xfrm>
+                  <a:off x="7324372" y="2080299"/>
+                  <a:ext cx="1554840" cy="2535840"/>
+                </a:xfrm>
+                <a:prstGeom prst="rect">
+                  <a:avLst/>
+                </a:prstGeom>
+              </p:spPr>
+            </p:pic>
+          </mc:Fallback>
+        </mc:AlternateContent>
+        <mc:AlternateContent xmlns:mc="http://schemas.openxmlformats.org/markup-compatibility/2006">
+          <mc:Choice xmlns:p14="http://schemas.microsoft.com/office/powerpoint/2010/main" Requires="p14">
+            <p:contentPart p14:bwMode="auto" r:id="rId6">
+              <p14:nvContentPartPr>
+                <p14:cNvPr id="15" name="Ink 14">
+                  <a:extLst>
+                    <a:ext uri="{FF2B5EF4-FFF2-40B4-BE49-F238E27FC236}">
+                      <a16:creationId xmlns:a16="http://schemas.microsoft.com/office/drawing/2014/main" id="{3CBB675E-C7A5-E48D-3E04-D9EFC4BD9585}"/>
+                    </a:ext>
+                  </a:extLst>
+                </p14:cNvPr>
+                <p14:cNvContentPartPr/>
+                <p14:nvPr/>
+              </p14:nvContentPartPr>
+              <p14:xfrm>
+                <a:off x="7272532" y="2028099"/>
+                <a:ext cx="314640" cy="269280"/>
+              </p14:xfrm>
+            </p:contentPart>
+          </mc:Choice>
+          <mc:Fallback>
+            <p:pic>
+              <p:nvPicPr>
+                <p:cNvPr id="15" name="Ink 14">
+                  <a:extLst>
+                    <a:ext uri="{FF2B5EF4-FFF2-40B4-BE49-F238E27FC236}">
+                      <a16:creationId xmlns:a16="http://schemas.microsoft.com/office/drawing/2014/main" id="{3CBB675E-C7A5-E48D-3E04-D9EFC4BD9585}"/>
+                    </a:ext>
+                  </a:extLst>
+                </p:cNvPr>
+                <p:cNvPicPr/>
+                <p:nvPr/>
+              </p:nvPicPr>
+              <p:blipFill>
+                <a:blip r:embed="rId7"/>
+                <a:stretch>
+                  <a:fillRect/>
+                </a:stretch>
+              </p:blipFill>
+              <p:spPr>
+                <a:xfrm>
+                  <a:off x="7263532" y="2019459"/>
+                  <a:ext cx="332280" cy="286920"/>
+                </a:xfrm>
+                <a:prstGeom prst="rect">
+                  <a:avLst/>
+                </a:prstGeom>
+              </p:spPr>
+            </p:pic>
+          </mc:Fallback>
+        </mc:AlternateContent>
+        <mc:AlternateContent xmlns:mc="http://schemas.openxmlformats.org/markup-compatibility/2006">
+          <mc:Choice xmlns:p14="http://schemas.microsoft.com/office/powerpoint/2010/main" Requires="p14">
+            <p:contentPart p14:bwMode="auto" r:id="rId8">
+              <p14:nvContentPartPr>
+                <p14:cNvPr id="16" name="Ink 15">
+                  <a:extLst>
+                    <a:ext uri="{FF2B5EF4-FFF2-40B4-BE49-F238E27FC236}">
+                      <a16:creationId xmlns:a16="http://schemas.microsoft.com/office/drawing/2014/main" id="{5608E8B2-E85F-56C0-62AA-BF37AA0A70AE}"/>
+                    </a:ext>
+                  </a:extLst>
+                </p14:cNvPr>
+                <p14:cNvContentPartPr/>
+                <p14:nvPr/>
+              </p14:nvContentPartPr>
+              <p14:xfrm>
+                <a:off x="7251652" y="2290539"/>
+                <a:ext cx="403920" cy="311400"/>
+              </p14:xfrm>
+            </p:contentPart>
+          </mc:Choice>
+          <mc:Fallback>
+            <p:pic>
+              <p:nvPicPr>
+                <p:cNvPr id="16" name="Ink 15">
+                  <a:extLst>
+                    <a:ext uri="{FF2B5EF4-FFF2-40B4-BE49-F238E27FC236}">
+                      <a16:creationId xmlns:a16="http://schemas.microsoft.com/office/drawing/2014/main" id="{5608E8B2-E85F-56C0-62AA-BF37AA0A70AE}"/>
+                    </a:ext>
+                  </a:extLst>
+                </p:cNvPr>
+                <p:cNvPicPr/>
+                <p:nvPr/>
+              </p:nvPicPr>
+              <p:blipFill>
+                <a:blip r:embed="rId9"/>
+                <a:stretch>
+                  <a:fillRect/>
+                </a:stretch>
+              </p:blipFill>
+              <p:spPr>
+                <a:xfrm>
+                  <a:off x="7242652" y="2281899"/>
+                  <a:ext cx="421560" cy="329040"/>
+                </a:xfrm>
+                <a:prstGeom prst="rect">
+                  <a:avLst/>
+                </a:prstGeom>
+              </p:spPr>
+            </p:pic>
+          </mc:Fallback>
+        </mc:AlternateContent>
+      </p:grpSp>
+      <mc:AlternateContent xmlns:mc="http://schemas.openxmlformats.org/markup-compatibility/2006">
+        <mc:Choice xmlns:p14="http://schemas.microsoft.com/office/powerpoint/2010/main" Requires="p14">
+          <p:contentPart p14:bwMode="auto" r:id="rId10">
+            <p14:nvContentPartPr>
+              <p14:cNvPr id="18" name="Ink 17">
+                <a:extLst>
+                  <a:ext uri="{FF2B5EF4-FFF2-40B4-BE49-F238E27FC236}">
+                    <a16:creationId xmlns:a16="http://schemas.microsoft.com/office/drawing/2014/main" id="{9CD5EEFA-FF9B-8FEB-2438-76745807DB88}"/>
+                  </a:ext>
+                </a:extLst>
+              </p14:cNvPr>
+              <p14:cNvContentPartPr/>
+              <p14:nvPr/>
+            </p14:nvContentPartPr>
+            <p14:xfrm>
+              <a:off x="1982692" y="2168859"/>
+              <a:ext cx="3015720" cy="918000"/>
+            </p14:xfrm>
+          </p:contentPart>
+        </mc:Choice>
+        <mc:Fallback>
+          <p:pic>
+            <p:nvPicPr>
+              <p:cNvPr id="18" name="Ink 17">
+                <a:extLst>
+                  <a:ext uri="{FF2B5EF4-FFF2-40B4-BE49-F238E27FC236}">
+                    <a16:creationId xmlns:a16="http://schemas.microsoft.com/office/drawing/2014/main" id="{9CD5EEFA-FF9B-8FEB-2438-76745807DB88}"/>
+                  </a:ext>
+                </a:extLst>
+              </p:cNvPr>
+              <p:cNvPicPr/>
+              <p:nvPr/>
+            </p:nvPicPr>
+            <p:blipFill>
+              <a:blip r:embed="rId11"/>
+              <a:stretch>
+                <a:fillRect/>
+              </a:stretch>
+            </p:blipFill>
+            <p:spPr>
+              <a:xfrm>
+                <a:off x="1973692" y="2159859"/>
+                <a:ext cx="3033360" cy="935640"/>
+              </a:xfrm>
+              <a:prstGeom prst="rect">
+                <a:avLst/>
+              </a:prstGeom>
+            </p:spPr>
+          </p:pic>
+        </mc:Fallback>
+      </mc:AlternateContent>
+      <p:sp>
+        <p:nvSpPr>
+          <p:cNvPr id="19" name="Hexagon 18">
+            <a:extLst>
+              <a:ext uri="{FF2B5EF4-FFF2-40B4-BE49-F238E27FC236}">
+                <a16:creationId xmlns:a16="http://schemas.microsoft.com/office/drawing/2014/main" id="{FD41E907-1563-F366-96BC-3B52E27C2196}"/>
+              </a:ext>
+            </a:extLst>
+          </p:cNvPr>
+          <p:cNvSpPr/>
+          <p:nvPr/>
+        </p:nvSpPr>
+        <p:spPr>
+          <a:xfrm>
+            <a:off x="4998412" y="1958009"/>
+            <a:ext cx="2098127" cy="1202634"/>
+          </a:xfrm>
+          <a:prstGeom prst="hexagon">
+            <a:avLst/>
+          </a:prstGeom>
+          <a:solidFill>
+            <a:schemeClr val="accent5"/>
+          </a:solidFill>
+        </p:spPr>
+        <p:style>
+          <a:lnRef idx="2">
+            <a:schemeClr val="accent1">
+              <a:shade val="15000"/>
+            </a:schemeClr>
+          </a:lnRef>
+          <a:fillRef idx="1">
+            <a:schemeClr val="accent1"/>
+          </a:fillRef>
+          <a:effectRef idx="0">
+            <a:schemeClr val="accent1"/>
+          </a:effectRef>
+          <a:fontRef idx="minor">
+            <a:schemeClr val="lt1"/>
+          </a:fontRef>
+        </p:style>
+        <p:txBody>
+          <a:bodyPr rtlCol="0" anchor="ctr"/>
+          <a:lstStyle/>
+          <a:p>
+            <a:pPr algn="ctr"/>
+            <a:r>
+              <a:rPr lang="en-US" dirty="0"/>
+              <a:t>Compare a test to correct answer</a:t>
+            </a:r>
+          </a:p>
+        </p:txBody>
+      </p:sp>
+      <p:sp>
+        <p:nvSpPr>
+          <p:cNvPr id="20" name="TextBox 19">
+            <a:extLst>
+              <a:ext uri="{FF2B5EF4-FFF2-40B4-BE49-F238E27FC236}">
+                <a16:creationId xmlns:a16="http://schemas.microsoft.com/office/drawing/2014/main" id="{FCF24E42-53C9-2C8C-695A-D1BDF94EFB19}"/>
+              </a:ext>
+            </a:extLst>
+          </p:cNvPr>
+          <p:cNvSpPr txBox="1"/>
+          <p:nvPr/>
+        </p:nvSpPr>
+        <p:spPr>
+          <a:xfrm>
+            <a:off x="1977888" y="5178287"/>
+            <a:ext cx="2063734" cy="646331"/>
+          </a:xfrm>
+          <a:prstGeom prst="rect">
+            <a:avLst/>
+          </a:prstGeom>
+          <a:noFill/>
+        </p:spPr>
+        <p:txBody>
+          <a:bodyPr wrap="square" rtlCol="0">
+            <a:spAutoFit/>
+          </a:bodyPr>
+          <a:lstStyle/>
+          <a:p>
+            <a:r>
+              <a:rPr lang="en-US" dirty="0"/>
+              <a:t>Feed one input at a time in</a:t>
+            </a:r>
+          </a:p>
+        </p:txBody>
+      </p:sp>
+      <p:sp>
+        <p:nvSpPr>
+          <p:cNvPr id="21" name="TextBox 20">
+            <a:extLst>
+              <a:ext uri="{FF2B5EF4-FFF2-40B4-BE49-F238E27FC236}">
+                <a16:creationId xmlns:a16="http://schemas.microsoft.com/office/drawing/2014/main" id="{CA693053-8C72-44ED-05A4-F897A19771EE}"/>
+              </a:ext>
+            </a:extLst>
+          </p:cNvPr>
+          <p:cNvSpPr txBox="1"/>
+          <p:nvPr/>
+        </p:nvSpPr>
+        <p:spPr>
+          <a:xfrm>
+            <a:off x="3490552" y="1440498"/>
+            <a:ext cx="3627685" cy="369332"/>
+          </a:xfrm>
+          <a:prstGeom prst="rect">
+            <a:avLst/>
+          </a:prstGeom>
+          <a:solidFill>
+            <a:schemeClr val="accent5"/>
+          </a:solidFill>
+        </p:spPr>
+        <p:txBody>
+          <a:bodyPr wrap="square" rtlCol="0">
+            <a:spAutoFit/>
+          </a:bodyPr>
+          <a:lstStyle/>
+          <a:p>
+            <a:r>
+              <a:rPr lang="en-US" dirty="0"/>
+              <a:t>Test Harness</a:t>
+            </a:r>
+          </a:p>
+        </p:txBody>
+      </p:sp>
+      <p:grpSp>
+        <p:nvGrpSpPr>
+          <p:cNvPr id="25" name="Group 24">
+            <a:extLst>
+              <a:ext uri="{FF2B5EF4-FFF2-40B4-BE49-F238E27FC236}">
+                <a16:creationId xmlns:a16="http://schemas.microsoft.com/office/drawing/2014/main" id="{374BCBB7-7F8B-8AA6-2657-0B7FF8D53064}"/>
+              </a:ext>
+            </a:extLst>
+          </p:cNvPr>
+          <p:cNvGrpSpPr/>
+          <p:nvPr/>
+        </p:nvGrpSpPr>
+        <p:grpSpPr>
+          <a:xfrm>
+            <a:off x="-27150" y="503732"/>
+            <a:ext cx="1956960" cy="5174640"/>
+            <a:chOff x="-27150" y="503732"/>
+            <a:chExt cx="1956960" cy="5174640"/>
+          </a:xfrm>
+        </p:grpSpPr>
+        <mc:AlternateContent xmlns:mc="http://schemas.openxmlformats.org/markup-compatibility/2006">
+          <mc:Choice xmlns:p14="http://schemas.microsoft.com/office/powerpoint/2010/main" Requires="p14">
+            <p:contentPart p14:bwMode="auto" r:id="rId12">
+              <p14:nvContentPartPr>
+                <p14:cNvPr id="23" name="Ink 22">
+                  <a:extLst>
+                    <a:ext uri="{FF2B5EF4-FFF2-40B4-BE49-F238E27FC236}">
+                      <a16:creationId xmlns:a16="http://schemas.microsoft.com/office/drawing/2014/main" id="{5DF43313-47EC-39FF-F63C-FA322216130B}"/>
+                    </a:ext>
+                  </a:extLst>
+                </p14:cNvPr>
+                <p14:cNvContentPartPr/>
+                <p14:nvPr/>
+              </p14:nvContentPartPr>
+              <p14:xfrm>
+                <a:off x="-27150" y="1301132"/>
+                <a:ext cx="1956960" cy="4377240"/>
+              </p14:xfrm>
+            </p:contentPart>
+          </mc:Choice>
+          <mc:Fallback>
+            <p:pic>
+              <p:nvPicPr>
+                <p:cNvPr id="23" name="Ink 22">
+                  <a:extLst>
+                    <a:ext uri="{FF2B5EF4-FFF2-40B4-BE49-F238E27FC236}">
+                      <a16:creationId xmlns:a16="http://schemas.microsoft.com/office/drawing/2014/main" id="{5DF43313-47EC-39FF-F63C-FA322216130B}"/>
+                    </a:ext>
+                  </a:extLst>
+                </p:cNvPr>
+                <p:cNvPicPr/>
+                <p:nvPr/>
+              </p:nvPicPr>
+              <p:blipFill>
+                <a:blip r:embed="rId13"/>
+                <a:stretch>
+                  <a:fillRect/>
+                </a:stretch>
+              </p:blipFill>
+              <p:spPr>
+                <a:xfrm>
+                  <a:off x="-31470" y="1296812"/>
+                  <a:ext cx="1965600" cy="4385880"/>
+                </a:xfrm>
+                <a:prstGeom prst="rect">
+                  <a:avLst/>
+                </a:prstGeom>
+              </p:spPr>
+            </p:pic>
+          </mc:Fallback>
+        </mc:AlternateContent>
+        <mc:AlternateContent xmlns:mc="http://schemas.openxmlformats.org/markup-compatibility/2006">
+          <mc:Choice xmlns:p14="http://schemas.microsoft.com/office/powerpoint/2010/main" Requires="p14">
+            <p:contentPart p14:bwMode="auto" r:id="rId14">
+              <p14:nvContentPartPr>
+                <p14:cNvPr id="24" name="Ink 23">
+                  <a:extLst>
+                    <a:ext uri="{FF2B5EF4-FFF2-40B4-BE49-F238E27FC236}">
+                      <a16:creationId xmlns:a16="http://schemas.microsoft.com/office/drawing/2014/main" id="{3F0158BB-3250-72C9-C4D3-4211A21F0C5A}"/>
+                    </a:ext>
+                  </a:extLst>
+                </p14:cNvPr>
+                <p14:cNvContentPartPr/>
+                <p14:nvPr/>
+              </p14:nvContentPartPr>
+              <p14:xfrm>
+                <a:off x="587730" y="503732"/>
+                <a:ext cx="804960" cy="835560"/>
+              </p14:xfrm>
+            </p:contentPart>
+          </mc:Choice>
+          <mc:Fallback>
+            <p:pic>
+              <p:nvPicPr>
+                <p:cNvPr id="24" name="Ink 23">
+                  <a:extLst>
+                    <a:ext uri="{FF2B5EF4-FFF2-40B4-BE49-F238E27FC236}">
+                      <a16:creationId xmlns:a16="http://schemas.microsoft.com/office/drawing/2014/main" id="{3F0158BB-3250-72C9-C4D3-4211A21F0C5A}"/>
+                    </a:ext>
+                  </a:extLst>
+                </p:cNvPr>
+                <p:cNvPicPr/>
+                <p:nvPr/>
+              </p:nvPicPr>
+              <p:blipFill>
+                <a:blip r:embed="rId15"/>
+                <a:stretch>
+                  <a:fillRect/>
+                </a:stretch>
+              </p:blipFill>
+              <p:spPr>
+                <a:xfrm>
+                  <a:off x="583410" y="499412"/>
+                  <a:ext cx="813600" cy="844200"/>
+                </a:xfrm>
+                <a:prstGeom prst="rect">
+                  <a:avLst/>
+                </a:prstGeom>
+              </p:spPr>
+            </p:pic>
+          </mc:Fallback>
+        </mc:AlternateContent>
+      </p:grpSp>
+      <p:sp>
+        <p:nvSpPr>
+          <p:cNvPr id="26" name="TextBox 25">
+            <a:extLst>
+              <a:ext uri="{FF2B5EF4-FFF2-40B4-BE49-F238E27FC236}">
+                <a16:creationId xmlns:a16="http://schemas.microsoft.com/office/drawing/2014/main" id="{939D2CB6-57D1-CB21-748D-A9F2FA4BB8F0}"/>
+              </a:ext>
+            </a:extLst>
+          </p:cNvPr>
+          <p:cNvSpPr txBox="1"/>
+          <p:nvPr/>
+        </p:nvSpPr>
+        <p:spPr>
+          <a:xfrm>
+            <a:off x="1580379" y="327704"/>
+            <a:ext cx="2788392" cy="369332"/>
+          </a:xfrm>
+          <a:prstGeom prst="rect">
+            <a:avLst/>
+          </a:prstGeom>
+          <a:noFill/>
+        </p:spPr>
+        <p:txBody>
+          <a:bodyPr wrap="none" rtlCol="0">
+            <a:spAutoFit/>
+          </a:bodyPr>
+          <a:lstStyle/>
+          <a:p>
+            <a:r>
+              <a:rPr lang="en-US" dirty="0"/>
+              <a:t>We supply these test cases.</a:t>
+            </a:r>
+          </a:p>
+        </p:txBody>
+      </p:sp>
+    </p:spTree>
+    <p:extLst>
+      <p:ext uri="{BB962C8B-B14F-4D97-AF65-F5344CB8AC3E}">
+        <p14:creationId xmlns:p14="http://schemas.microsoft.com/office/powerpoint/2010/main" val="3722823130"/>
       </p:ext>
     </p:extLst>
   </p:cSld>
@@ -4655,6 +5971,133 @@
           <p:cNvPr id="2" name="Title 1">
             <a:extLst>
               <a:ext uri="{FF2B5EF4-FFF2-40B4-BE49-F238E27FC236}">
+                <a16:creationId xmlns:a16="http://schemas.microsoft.com/office/drawing/2014/main" id="{D3654370-0272-EA6C-ADE7-B0FEF8F00C7A}"/>
+              </a:ext>
+            </a:extLst>
+          </p:cNvPr>
+          <p:cNvSpPr>
+            <a:spLocks noGrp="1"/>
+          </p:cNvSpPr>
+          <p:nvPr>
+            <p:ph type="title"/>
+          </p:nvPr>
+        </p:nvSpPr>
+        <p:spPr/>
+        <p:txBody>
+          <a:bodyPr/>
+          <a:lstStyle/>
+          <a:p>
+            <a:endParaRPr lang="en-US"/>
+          </a:p>
+        </p:txBody>
+      </p:sp>
+      <p:sp>
+        <p:nvSpPr>
+          <p:cNvPr id="3" name="Content Placeholder 2">
+            <a:extLst>
+              <a:ext uri="{FF2B5EF4-FFF2-40B4-BE49-F238E27FC236}">
+                <a16:creationId xmlns:a16="http://schemas.microsoft.com/office/drawing/2014/main" id="{3C3F32C5-D0C0-D974-5D21-BE28FD29F209}"/>
+              </a:ext>
+            </a:extLst>
+          </p:cNvPr>
+          <p:cNvSpPr>
+            <a:spLocks noGrp="1"/>
+          </p:cNvSpPr>
+          <p:nvPr>
+            <p:ph idx="1"/>
+          </p:nvPr>
+        </p:nvSpPr>
+        <p:spPr/>
+        <p:txBody>
+          <a:bodyPr/>
+          <a:lstStyle/>
+          <a:p>
+            <a:endParaRPr lang="en-US"/>
+          </a:p>
+        </p:txBody>
+      </p:sp>
+      <p:pic>
+        <p:nvPicPr>
+          <p:cNvPr id="3074" name="Picture 2" descr="What is Algorithm | Introduction to Algorithms - GeeksforGeeks">
+            <a:extLst>
+              <a:ext uri="{FF2B5EF4-FFF2-40B4-BE49-F238E27FC236}">
+                <a16:creationId xmlns:a16="http://schemas.microsoft.com/office/drawing/2014/main" id="{70DD99B3-A97F-A2CE-97FA-AB8F53CE5873}"/>
+              </a:ext>
+            </a:extLst>
+          </p:cNvPr>
+          <p:cNvPicPr>
+            <a:picLocks noChangeAspect="1" noChangeArrowheads="1"/>
+          </p:cNvPicPr>
+          <p:nvPr/>
+        </p:nvPicPr>
+        <p:blipFill>
+          <a:blip r:embed="rId2">
+            <a:extLst>
+              <a:ext uri="{28A0092B-C50C-407E-A947-70E740481C1C}">
+                <a14:useLocalDpi xmlns:a14="http://schemas.microsoft.com/office/drawing/2010/main" val="0"/>
+              </a:ext>
+            </a:extLst>
+          </a:blip>
+          <a:srcRect/>
+          <a:stretch>
+            <a:fillRect/>
+          </a:stretch>
+        </p:blipFill>
+        <p:spPr bwMode="auto">
+          <a:xfrm>
+            <a:off x="522288" y="0"/>
+            <a:ext cx="11147425" cy="6858000"/>
+          </a:xfrm>
+          <a:prstGeom prst="rect">
+            <a:avLst/>
+          </a:prstGeom>
+          <a:noFill/>
+          <a:extLst>
+            <a:ext uri="{909E8E84-426E-40DD-AFC4-6F175D3DCCD1}">
+              <a14:hiddenFill xmlns:a14="http://schemas.microsoft.com/office/drawing/2010/main">
+                <a:solidFill>
+                  <a:srgbClr val="FFFFFF"/>
+                </a:solidFill>
+              </a14:hiddenFill>
+            </a:ext>
+          </a:extLst>
+        </p:spPr>
+      </p:pic>
+    </p:spTree>
+    <p:extLst>
+      <p:ext uri="{BB962C8B-B14F-4D97-AF65-F5344CB8AC3E}">
+        <p14:creationId xmlns:p14="http://schemas.microsoft.com/office/powerpoint/2010/main" val="2510064932"/>
+      </p:ext>
+    </p:extLst>
+  </p:cSld>
+  <p:clrMapOvr>
+    <a:masterClrMapping/>
+  </p:clrMapOvr>
+</p:sld>
+</file>
+
+<file path=ppt/slides/slide6.xml><?xml version="1.0" encoding="utf-8"?>
+<p:sld xmlns:a="http://schemas.openxmlformats.org/drawingml/2006/main" xmlns:r="http://schemas.openxmlformats.org/officeDocument/2006/relationships" xmlns:p="http://schemas.openxmlformats.org/presentationml/2006/main">
+  <p:cSld>
+    <p:spTree>
+      <p:nvGrpSpPr>
+        <p:cNvPr id="1" name=""/>
+        <p:cNvGrpSpPr/>
+        <p:nvPr/>
+      </p:nvGrpSpPr>
+      <p:grpSpPr>
+        <a:xfrm>
+          <a:off x="0" y="0"/>
+          <a:ext cx="0" cy="0"/>
+          <a:chOff x="0" y="0"/>
+          <a:chExt cx="0" cy="0"/>
+        </a:xfrm>
+      </p:grpSpPr>
+      <p:sp>
+        <p:nvSpPr>
+          <p:cNvPr id="2" name="Title 1">
+            <a:extLst>
+              <a:ext uri="{FF2B5EF4-FFF2-40B4-BE49-F238E27FC236}">
                 <a16:creationId xmlns:a16="http://schemas.microsoft.com/office/drawing/2014/main" id="{82770143-58D7-67A5-945B-728896CBF69C}"/>
               </a:ext>
             </a:extLst>
@@ -4778,7 +6221,7 @@
 </p:sld>
 </file>
 
-<file path=ppt/slides/slide6.xml><?xml version="1.0" encoding="utf-8"?>
+<file path=ppt/slides/slide7.xml><?xml version="1.0" encoding="utf-8"?>
 <p:sld xmlns:a="http://schemas.openxmlformats.org/drawingml/2006/main" xmlns:r="http://schemas.openxmlformats.org/officeDocument/2006/relationships" xmlns:p="http://schemas.openxmlformats.org/presentationml/2006/main">
   <p:cSld>
     <p:spTree>
@@ -4950,160 +6393,6 @@
 </p:sld>
 </file>
 
-<file path=ppt/slides/slide7.xml><?xml version="1.0" encoding="utf-8"?>
-<p:sld xmlns:a="http://schemas.openxmlformats.org/drawingml/2006/main" xmlns:r="http://schemas.openxmlformats.org/officeDocument/2006/relationships" xmlns:p="http://schemas.openxmlformats.org/presentationml/2006/main">
-  <p:cSld>
-    <p:spTree>
-      <p:nvGrpSpPr>
-        <p:cNvPr id="1" name=""/>
-        <p:cNvGrpSpPr/>
-        <p:nvPr/>
-      </p:nvGrpSpPr>
-      <p:grpSpPr>
-        <a:xfrm>
-          <a:off x="0" y="0"/>
-          <a:ext cx="0" cy="0"/>
-          <a:chOff x="0" y="0"/>
-          <a:chExt cx="0" cy="0"/>
-        </a:xfrm>
-      </p:grpSpPr>
-      <p:sp>
-        <p:nvSpPr>
-          <p:cNvPr id="2" name="Title 1">
-            <a:extLst>
-              <a:ext uri="{FF2B5EF4-FFF2-40B4-BE49-F238E27FC236}">
-                <a16:creationId xmlns:a16="http://schemas.microsoft.com/office/drawing/2014/main" id="{CB1ACADC-1A22-63AD-D935-3BD193E0C07B}"/>
-              </a:ext>
-            </a:extLst>
-          </p:cNvPr>
-          <p:cNvSpPr>
-            <a:spLocks noGrp="1"/>
-          </p:cNvSpPr>
-          <p:nvPr>
-            <p:ph type="title"/>
-          </p:nvPr>
-        </p:nvSpPr>
-        <p:spPr/>
-        <p:txBody>
-          <a:bodyPr/>
-          <a:lstStyle/>
-          <a:p>
-            <a:r>
-              <a:rPr lang="en-US" dirty="0"/>
-              <a:t>Bonus Recursion Fun!</a:t>
-            </a:r>
-          </a:p>
-        </p:txBody>
-      </p:sp>
-      <p:sp>
-        <p:nvSpPr>
-          <p:cNvPr id="3" name="Content Placeholder 2">
-            <a:extLst>
-              <a:ext uri="{FF2B5EF4-FFF2-40B4-BE49-F238E27FC236}">
-                <a16:creationId xmlns:a16="http://schemas.microsoft.com/office/drawing/2014/main" id="{0CB61493-1B31-B052-62FC-DC60EFBEE71A}"/>
-              </a:ext>
-            </a:extLst>
-          </p:cNvPr>
-          <p:cNvSpPr>
-            <a:spLocks noGrp="1"/>
-          </p:cNvSpPr>
-          <p:nvPr>
-            <p:ph idx="1"/>
-          </p:nvPr>
-        </p:nvSpPr>
-        <p:spPr>
-          <a:xfrm>
-            <a:off x="815009" y="1853754"/>
-            <a:ext cx="10654748" cy="4199727"/>
-          </a:xfrm>
-        </p:spPr>
-        <p:txBody>
-          <a:bodyPr>
-            <a:normAutofit fontScale="92500"/>
-          </a:bodyPr>
-          <a:lstStyle/>
-          <a:p>
-            <a:r>
-              <a:rPr lang="en-US" dirty="0"/>
-              <a:t>This concept is inherently recursive-</a:t>
-            </a:r>
-            <a:r>
-              <a:rPr lang="en-US" dirty="0" err="1"/>
-              <a:t>ish</a:t>
-            </a:r>
-            <a:r>
-              <a:rPr lang="en-US" dirty="0"/>
-              <a:t>!</a:t>
-            </a:r>
-          </a:p>
-          <a:p>
-            <a:pPr lvl="1"/>
-            <a:r>
-              <a:rPr lang="en-US" dirty="0"/>
-              <a:t>Many algorithms have parts that are other algorithms!</a:t>
-            </a:r>
-          </a:p>
-          <a:p>
-            <a:pPr lvl="1"/>
-            <a:r>
-              <a:rPr lang="en-US" dirty="0"/>
-              <a:t>We can deconstruct our larger algorithm into several smaller algorithms. </a:t>
-            </a:r>
-          </a:p>
-          <a:p>
-            <a:r>
-              <a:rPr lang="en-US" dirty="0"/>
-              <a:t>For example, think of the Moodle “class average”:</a:t>
-            </a:r>
-          </a:p>
-          <a:p>
-            <a:pPr lvl="1"/>
-            <a:r>
-              <a:rPr lang="en-US" dirty="0"/>
-              <a:t>Calculate the average of all the student’s final grades. </a:t>
-            </a:r>
-          </a:p>
-          <a:p>
-            <a:pPr lvl="1"/>
-            <a:r>
-              <a:rPr lang="en-US" dirty="0"/>
-              <a:t>To get each student’s final grade, we need a subroutine to calculate the average of all of that person’s grades. </a:t>
-            </a:r>
-          </a:p>
-          <a:p>
-            <a:r>
-              <a:rPr lang="en-US" dirty="0"/>
-              <a:t>When parts of our code are reused, complex, and have defined start/stop, that’s a good candidate to isolate it to its own function. </a:t>
-            </a:r>
-          </a:p>
-          <a:p>
-            <a:pPr lvl="1"/>
-            <a:r>
-              <a:rPr lang="en-US" dirty="0"/>
-              <a:t>We can also “stub” it, or make a placeholder that returns a plausible value, so we can build the rest. </a:t>
-            </a:r>
-          </a:p>
-          <a:p>
-            <a:r>
-              <a:rPr lang="en-US" dirty="0"/>
-              <a:t>Each individual algorithm can be tested, deployed, or replaced, individually. </a:t>
-            </a:r>
-          </a:p>
-        </p:txBody>
-      </p:sp>
-    </p:spTree>
-    <p:extLst>
-      <p:ext uri="{BB962C8B-B14F-4D97-AF65-F5344CB8AC3E}">
-        <p14:creationId xmlns:p14="http://schemas.microsoft.com/office/powerpoint/2010/main" val="2426886923"/>
-      </p:ext>
-    </p:extLst>
-  </p:cSld>
-  <p:clrMapOvr>
-    <a:masterClrMapping/>
-  </p:clrMapOvr>
-</p:sld>
-</file>
-
 <file path=ppt/slides/slide8.xml><?xml version="1.0" encoding="utf-8"?>
 <p:sld xmlns:a="http://schemas.openxmlformats.org/drawingml/2006/main" xmlns:r="http://schemas.openxmlformats.org/officeDocument/2006/relationships" xmlns:p="http://schemas.openxmlformats.org/presentationml/2006/main">
   <p:cSld>
@@ -5126,7 +6415,7 @@
           <p:cNvPr id="2" name="Title 1">
             <a:extLst>
               <a:ext uri="{FF2B5EF4-FFF2-40B4-BE49-F238E27FC236}">
-                <a16:creationId xmlns:a16="http://schemas.microsoft.com/office/drawing/2014/main" id="{3AFC92F8-55D5-44BF-D2DA-93FAA85D5D66}"/>
+                <a16:creationId xmlns:a16="http://schemas.microsoft.com/office/drawing/2014/main" id="{CB1ACADC-1A22-63AD-D935-3BD193E0C07B}"/>
               </a:ext>
             </a:extLst>
           </p:cNvPr>
@@ -5144,7 +6433,7 @@
           <a:p>
             <a:r>
               <a:rPr lang="en-US" dirty="0"/>
-              <a:t>Testing</a:t>
+              <a:t>Bonus Recursion Fun!</a:t>
             </a:r>
           </a:p>
         </p:txBody>
@@ -5154,7 +6443,7 @@
           <p:cNvPr id="3" name="Content Placeholder 2">
             <a:extLst>
               <a:ext uri="{FF2B5EF4-FFF2-40B4-BE49-F238E27FC236}">
-                <a16:creationId xmlns:a16="http://schemas.microsoft.com/office/drawing/2014/main" id="{766080C4-06C4-6E94-6DF7-E678CB70FBAB}"/>
+                <a16:creationId xmlns:a16="http://schemas.microsoft.com/office/drawing/2014/main" id="{0CB61493-1B31-B052-62FC-DC60EFBEE71A}"/>
               </a:ext>
             </a:extLst>
           </p:cNvPr>
@@ -5167,71 +6456,80 @@
         </p:nvSpPr>
         <p:spPr>
           <a:xfrm>
-            <a:off x="1451579" y="1853754"/>
-            <a:ext cx="9603275" cy="4199727"/>
+            <a:off x="815009" y="1853754"/>
+            <a:ext cx="10654748" cy="4199727"/>
           </a:xfrm>
         </p:spPr>
         <p:txBody>
           <a:bodyPr>
-            <a:normAutofit lnSpcReduction="10000"/>
+            <a:normAutofit fontScale="92500"/>
           </a:bodyPr>
           <a:lstStyle/>
           <a:p>
             <a:r>
               <a:rPr lang="en-US" dirty="0"/>
-              <a:t>When using algorithms that are broken into functions we can more easily test. </a:t>
+              <a:t>This concept is inherently recursive-</a:t>
+            </a:r>
+            <a:r>
+              <a:rPr lang="en-US" dirty="0" err="1"/>
+              <a:t>ish</a:t>
+            </a:r>
+            <a:r>
+              <a:rPr lang="en-US" dirty="0"/>
+              <a:t>!</a:t>
             </a:r>
           </a:p>
           <a:p>
             <a:pPr lvl="1"/>
             <a:r>
               <a:rPr lang="en-US" dirty="0"/>
-              <a:t>This is called Unit Testing – testing each component on its own. </a:t>
-            </a:r>
-          </a:p>
-          <a:p>
-            <a:r>
-              <a:rPr lang="en-US" dirty="0"/>
-              <a:t>There are defined inputs and outputs, so success is “doing that”. </a:t>
-            </a:r>
-          </a:p>
-          <a:p>
-            <a:r>
-              <a:rPr lang="en-US" dirty="0"/>
-              <a:t>We can define a “test-harness”, or code to call some function to evaluate it. </a:t>
+              <a:t>Many algorithms have parts that are other algorithms!</a:t>
             </a:r>
           </a:p>
           <a:p>
             <a:pPr lvl="1"/>
             <a:r>
               <a:rPr lang="en-US" dirty="0"/>
-              <a:t>Call a function several times with a set of inputs, hopefully covering all scenarios. </a:t>
+              <a:t>We can deconstruct our larger algorithm into several smaller algorithms. </a:t>
+            </a:r>
+          </a:p>
+          <a:p>
+            <a:r>
+              <a:rPr lang="en-US" dirty="0"/>
+              <a:t>For example, think of the Moodle “class average”:</a:t>
             </a:r>
           </a:p>
           <a:p>
             <a:pPr lvl="1"/>
             <a:r>
               <a:rPr lang="en-US" dirty="0"/>
-              <a:t>Compare the results returned to the known correct outputs. </a:t>
-            </a:r>
-          </a:p>
-          <a:p>
-            <a:r>
-              <a:rPr lang="en-US" dirty="0"/>
-              <a:t>In “real life” this is often done with the help of test tools/libraries, but we can make simple ones to learn. </a:t>
+              <a:t>Calculate the average of all the student’s final grades. </a:t>
             </a:r>
           </a:p>
           <a:p>
             <a:pPr lvl="1"/>
             <a:r>
               <a:rPr lang="en-US" dirty="0"/>
-              <a:t>Run some tests, capture the results, check to see if they are all correct. </a:t>
-            </a:r>
-          </a:p>
-          <a:p>
-            <a:r>
-              <a:rPr lang="en-US" dirty="0"/>
-              <a:t>If we’ve defined our tests correctly, passing means the new code is good. </a:t>
+              <a:t>To get each student’s final grade, we need a subroutine to calculate the average of all of that person’s grades. </a:t>
+            </a:r>
+          </a:p>
+          <a:p>
+            <a:r>
+              <a:rPr lang="en-US" dirty="0"/>
+              <a:t>When parts of our code are reused, complex, and have defined start/stop, that’s a good candidate to isolate it to its own function. </a:t>
+            </a:r>
+          </a:p>
+          <a:p>
+            <a:pPr lvl="1"/>
+            <a:r>
+              <a:rPr lang="en-US" dirty="0"/>
+              <a:t>We can also “stub” it, or make a placeholder that returns a plausible value, so we can build the rest. </a:t>
+            </a:r>
+          </a:p>
+          <a:p>
+            <a:r>
+              <a:rPr lang="en-US" dirty="0"/>
+              <a:t>Each individual algorithm can be tested, deployed, or replaced, individually. </a:t>
             </a:r>
           </a:p>
         </p:txBody>
@@ -5239,7 +6537,7 @@
     </p:spTree>
     <p:extLst>
       <p:ext uri="{BB962C8B-B14F-4D97-AF65-F5344CB8AC3E}">
-        <p14:creationId xmlns:p14="http://schemas.microsoft.com/office/powerpoint/2010/main" val="2842153107"/>
+        <p14:creationId xmlns:p14="http://schemas.microsoft.com/office/powerpoint/2010/main" val="2426886923"/>
       </p:ext>
     </p:extLst>
   </p:cSld>
@@ -5271,7 +6569,7 @@
           <p:cNvPr id="2" name="Title 1">
             <a:extLst>
               <a:ext uri="{FF2B5EF4-FFF2-40B4-BE49-F238E27FC236}">
-                <a16:creationId xmlns:a16="http://schemas.microsoft.com/office/drawing/2014/main" id="{24EDF4DB-1073-C59F-BC7A-E3B7B08172E4}"/>
+                <a16:creationId xmlns:a16="http://schemas.microsoft.com/office/drawing/2014/main" id="{3AFC92F8-55D5-44BF-D2DA-93FAA85D5D66}"/>
               </a:ext>
             </a:extLst>
           </p:cNvPr>
@@ -5289,7 +6587,7 @@
           <a:p>
             <a:r>
               <a:rPr lang="en-US" dirty="0"/>
-              <a:t>Error Catching</a:t>
+              <a:t>Testing</a:t>
             </a:r>
           </a:p>
         </p:txBody>
@@ -5299,7 +6597,7 @@
           <p:cNvPr id="3" name="Content Placeholder 2">
             <a:extLst>
               <a:ext uri="{FF2B5EF4-FFF2-40B4-BE49-F238E27FC236}">
-                <a16:creationId xmlns:a16="http://schemas.microsoft.com/office/drawing/2014/main" id="{C7EE0179-013A-F438-0DD2-0B48DA411E42}"/>
+                <a16:creationId xmlns:a16="http://schemas.microsoft.com/office/drawing/2014/main" id="{766080C4-06C4-6E94-6DF7-E678CB70FBAB}"/>
               </a:ext>
             </a:extLst>
           </p:cNvPr>
@@ -5317,66 +6615,66 @@
           </a:xfrm>
         </p:spPr>
         <p:txBody>
-          <a:bodyPr/>
-          <a:lstStyle/>
-          <a:p>
-            <a:r>
-              <a:rPr lang="en-US" dirty="0"/>
-              <a:t>When creating code that does more complex things, it becomes likely we see errors. </a:t>
-            </a:r>
-          </a:p>
-          <a:p>
-            <a:r>
-              <a:rPr lang="en-US" dirty="0"/>
-              <a:t>Programs like Chrome or Tableau don’t just totally die if something goes wrong. </a:t>
-            </a:r>
-          </a:p>
-          <a:p>
-            <a:r>
-              <a:rPr lang="en-US" dirty="0"/>
-              <a:t>We can structure code to capture errors and do things to mitigate their impact. </a:t>
+          <a:bodyPr>
+            <a:normAutofit lnSpcReduction="10000"/>
+          </a:bodyPr>
+          <a:lstStyle/>
+          <a:p>
+            <a:r>
+              <a:rPr lang="en-US" dirty="0"/>
+              <a:t>When using algorithms that are broken into functions we can more easily test. </a:t>
             </a:r>
           </a:p>
           <a:p>
             <a:pPr lvl="1"/>
             <a:r>
               <a:rPr lang="en-US" dirty="0"/>
-              <a:t>E.g. if we are loading a file and the supplied file name is wrong, we can ask for a new one instead of the program crashing. </a:t>
+              <a:t>This is called Unit Testing – testing each component on its own. </a:t>
+            </a:r>
+          </a:p>
+          <a:p>
+            <a:r>
+              <a:rPr lang="en-US" dirty="0"/>
+              <a:t>There are defined inputs and outputs, so success is “doing that”. </a:t>
+            </a:r>
+          </a:p>
+          <a:p>
+            <a:r>
+              <a:rPr lang="en-US" dirty="0"/>
+              <a:t>We can define a “test-harness”, or code to call some function to evaluate it. </a:t>
             </a:r>
           </a:p>
           <a:p>
             <a:pPr lvl="1"/>
             <a:r>
               <a:rPr lang="en-US" dirty="0"/>
-              <a:t>Depending on what the error is, we can take appropriate action. </a:t>
+              <a:t>Call a function several times with a set of inputs, hopefully covering all scenarios. </a:t>
             </a:r>
           </a:p>
           <a:p>
             <a:pPr lvl="1"/>
             <a:r>
               <a:rPr lang="en-US" dirty="0"/>
-              <a:t>If it was a “bad” error, we can have some code to “tidy up” before crashing. </a:t>
-            </a:r>
-          </a:p>
-          <a:p>
-            <a:r>
-              <a:rPr lang="en-US" dirty="0"/>
-              <a:t>The keywords of TRY, EXCEPT, ELSE, and FINALLY can build an “if statement-</a:t>
-            </a:r>
-            <a:r>
-              <a:rPr lang="en-US" dirty="0" err="1"/>
-              <a:t>ish</a:t>
-            </a:r>
-            <a:r>
-              <a:rPr lang="en-US" dirty="0"/>
-              <a:t>” framework to deal with errors. </a:t>
+              <a:t>Compare the results returned to the known correct outputs. </a:t>
+            </a:r>
+          </a:p>
+          <a:p>
+            <a:r>
+              <a:rPr lang="en-US" dirty="0"/>
+              <a:t>In “real life” this is often done with the help of test tools/libraries, but we can make simple ones to learn. </a:t>
             </a:r>
           </a:p>
           <a:p>
             <a:pPr lvl="1"/>
             <a:r>
               <a:rPr lang="en-US" dirty="0"/>
-              <a:t>Conceptually, this is very simple…</a:t>
+              <a:t>Run some tests, capture the results, check to see if they are all correct. </a:t>
+            </a:r>
+          </a:p>
+          <a:p>
+            <a:r>
+              <a:rPr lang="en-US" dirty="0"/>
+              <a:t>If we’ve defined our tests correctly, passing means the new code is good. </a:t>
             </a:r>
           </a:p>
         </p:txBody>
@@ -5384,7 +6682,7 @@
     </p:spTree>
     <p:extLst>
       <p:ext uri="{BB962C8B-B14F-4D97-AF65-F5344CB8AC3E}">
-        <p14:creationId xmlns:p14="http://schemas.microsoft.com/office/powerpoint/2010/main" val="175856511"/>
+        <p14:creationId xmlns:p14="http://schemas.microsoft.com/office/powerpoint/2010/main" val="2842153107"/>
       </p:ext>
     </p:extLst>
   </p:cSld>
